--- a/Final Project - ACC.pptx
+++ b/Final Project - ACC.pptx
@@ -128,6 +128,146 @@
 </p:presentation>
 </file>
 
+<file path=ppt/revisionInfo.xml><?xml version="1.0" encoding="utf-8"?>
+<p1510:revInfo xmlns:a="http://schemas.openxmlformats.org/drawingml/2006/main" xmlns:r="http://schemas.openxmlformats.org/officeDocument/2006/relationships" xmlns:p1510="http://schemas.microsoft.com/office/powerpoint/2015/10/main">
+  <p1510:revLst>
+    <p1510:client id="{1CCA9C19-C3E6-4EC9-9E30-6F0324AE388D}" v="30" dt="2021-08-01T15:41:12.211"/>
+    <p1510:client id="{8F24136F-862E-4BC7-8B16-3B0172B83809}" v="107" dt="2021-08-01T15:55:41.534"/>
+  </p1510:revLst>
+</p1510:revInfo>
+</file>
+
+<file path=ppt/changesInfos/changesInfo1.xml><?xml version="1.0" encoding="utf-8"?>
+<pc:chgInfo xmlns:a="http://schemas.openxmlformats.org/drawingml/2006/main" xmlns:r="http://schemas.openxmlformats.org/officeDocument/2006/relationships" xmlns:ac="http://schemas.microsoft.com/office/drawing/2013/main/command" xmlns:pc="http://schemas.microsoft.com/office/powerpoint/2013/main/command">
+  <pc:docChgLst>
+    <pc:chgData name="Kuo Han" userId="S::han52@uwindsor.ca::33e7a2f1-3767-48ab-be12-f8a1869d13db" providerId="AD" clId="Web-{8F24136F-862E-4BC7-8B16-3B0172B83809}"/>
+    <pc:docChg chg="modSld">
+      <pc:chgData name="Kuo Han" userId="S::han52@uwindsor.ca::33e7a2f1-3767-48ab-be12-f8a1869d13db" providerId="AD" clId="Web-{8F24136F-862E-4BC7-8B16-3B0172B83809}" dt="2021-08-01T15:55:41.534" v="62" actId="1076"/>
+      <pc:docMkLst>
+        <pc:docMk/>
+      </pc:docMkLst>
+      <pc:sldChg chg="modSp">
+        <pc:chgData name="Kuo Han" userId="S::han52@uwindsor.ca::33e7a2f1-3767-48ab-be12-f8a1869d13db" providerId="AD" clId="Web-{8F24136F-862E-4BC7-8B16-3B0172B83809}" dt="2021-08-01T15:44:58.577" v="21" actId="20577"/>
+        <pc:sldMkLst>
+          <pc:docMk/>
+          <pc:sldMk cId="1409670607" sldId="257"/>
+        </pc:sldMkLst>
+        <pc:spChg chg="mod">
+          <ac:chgData name="Kuo Han" userId="S::han52@uwindsor.ca::33e7a2f1-3767-48ab-be12-f8a1869d13db" providerId="AD" clId="Web-{8F24136F-862E-4BC7-8B16-3B0172B83809}" dt="2021-08-01T15:44:58.577" v="21" actId="20577"/>
+          <ac:spMkLst>
+            <pc:docMk/>
+            <pc:sldMk cId="1409670607" sldId="257"/>
+            <ac:spMk id="3" creationId="{276A1177-ABAD-4100-AC06-6B182D2EA63B}"/>
+          </ac:spMkLst>
+        </pc:spChg>
+      </pc:sldChg>
+      <pc:sldChg chg="addSp modSp">
+        <pc:chgData name="Kuo Han" userId="S::han52@uwindsor.ca::33e7a2f1-3767-48ab-be12-f8a1869d13db" providerId="AD" clId="Web-{8F24136F-862E-4BC7-8B16-3B0172B83809}" dt="2021-08-01T15:55:41.534" v="62" actId="1076"/>
+        <pc:sldMkLst>
+          <pc:docMk/>
+          <pc:sldMk cId="16138341" sldId="259"/>
+        </pc:sldMkLst>
+        <pc:spChg chg="mod">
+          <ac:chgData name="Kuo Han" userId="S::han52@uwindsor.ca::33e7a2f1-3767-48ab-be12-f8a1869d13db" providerId="AD" clId="Web-{8F24136F-862E-4BC7-8B16-3B0172B83809}" dt="2021-08-01T15:55:29.268" v="58" actId="20577"/>
+          <ac:spMkLst>
+            <pc:docMk/>
+            <pc:sldMk cId="16138341" sldId="259"/>
+            <ac:spMk id="3" creationId="{F51342E5-2A6C-4E94-A03B-5E48441ECE8A}"/>
+          </ac:spMkLst>
+        </pc:spChg>
+        <pc:spChg chg="add mod">
+          <ac:chgData name="Kuo Han" userId="S::han52@uwindsor.ca::33e7a2f1-3767-48ab-be12-f8a1869d13db" providerId="AD" clId="Web-{8F24136F-862E-4BC7-8B16-3B0172B83809}" dt="2021-08-01T15:55:41.534" v="62" actId="1076"/>
+          <ac:spMkLst>
+            <pc:docMk/>
+            <pc:sldMk cId="16138341" sldId="259"/>
+            <ac:spMk id="5" creationId="{918B55B0-C656-44F0-924A-CB7103D243E6}"/>
+          </ac:spMkLst>
+        </pc:spChg>
+        <pc:spChg chg="mod">
+          <ac:chgData name="Kuo Han" userId="S::han52@uwindsor.ca::33e7a2f1-3767-48ab-be12-f8a1869d13db" providerId="AD" clId="Web-{8F24136F-862E-4BC7-8B16-3B0172B83809}" dt="2021-08-01T15:55:33.190" v="60" actId="20577"/>
+          <ac:spMkLst>
+            <pc:docMk/>
+            <pc:sldMk cId="16138341" sldId="259"/>
+            <ac:spMk id="10" creationId="{59E91683-E7A2-4052-BEB6-3668A03574EA}"/>
+          </ac:spMkLst>
+        </pc:spChg>
+        <pc:picChg chg="add mod">
+          <ac:chgData name="Kuo Han" userId="S::han52@uwindsor.ca::33e7a2f1-3767-48ab-be12-f8a1869d13db" providerId="AD" clId="Web-{8F24136F-862E-4BC7-8B16-3B0172B83809}" dt="2021-08-01T15:55:37.580" v="61" actId="1076"/>
+          <ac:picMkLst>
+            <pc:docMk/>
+            <pc:sldMk cId="16138341" sldId="259"/>
+            <ac:picMk id="4" creationId="{1D66456D-03BB-4EB8-9115-A96419812260}"/>
+          </ac:picMkLst>
+        </pc:picChg>
+      </pc:sldChg>
+      <pc:sldChg chg="modSp">
+        <pc:chgData name="Kuo Han" userId="S::han52@uwindsor.ca::33e7a2f1-3767-48ab-be12-f8a1869d13db" providerId="AD" clId="Web-{8F24136F-862E-4BC7-8B16-3B0172B83809}" dt="2021-08-01T15:43:08.529" v="9" actId="20577"/>
+        <pc:sldMkLst>
+          <pc:docMk/>
+          <pc:sldMk cId="1127088810" sldId="298"/>
+        </pc:sldMkLst>
+        <pc:spChg chg="mod">
+          <ac:chgData name="Kuo Han" userId="S::han52@uwindsor.ca::33e7a2f1-3767-48ab-be12-f8a1869d13db" providerId="AD" clId="Web-{8F24136F-862E-4BC7-8B16-3B0172B83809}" dt="2021-08-01T15:43:08.529" v="9" actId="20577"/>
+          <ac:spMkLst>
+            <pc:docMk/>
+            <pc:sldMk cId="1127088810" sldId="298"/>
+            <ac:spMk id="2" creationId="{9B0CD272-767C-4324-8FC8-3A51FE11A20A}"/>
+          </ac:spMkLst>
+        </pc:spChg>
+        <pc:spChg chg="mod">
+          <ac:chgData name="Kuo Han" userId="S::han52@uwindsor.ca::33e7a2f1-3767-48ab-be12-f8a1869d13db" providerId="AD" clId="Web-{8F24136F-862E-4BC7-8B16-3B0172B83809}" dt="2021-08-01T15:43:00.076" v="4" actId="20577"/>
+          <ac:spMkLst>
+            <pc:docMk/>
+            <pc:sldMk cId="1127088810" sldId="298"/>
+            <ac:spMk id="3" creationId="{00000000-0000-0000-0000-000000000000}"/>
+          </ac:spMkLst>
+        </pc:spChg>
+      </pc:sldChg>
+    </pc:docChg>
+  </pc:docChgLst>
+  <pc:docChgLst>
+    <pc:chgData name="Kuo Han" userId="S::han52@uwindsor.ca::33e7a2f1-3767-48ab-be12-f8a1869d13db" providerId="AD" clId="Web-{1CCA9C19-C3E6-4EC9-9E30-6F0324AE388D}"/>
+    <pc:docChg chg="modSld">
+      <pc:chgData name="Kuo Han" userId="S::han52@uwindsor.ca::33e7a2f1-3767-48ab-be12-f8a1869d13db" providerId="AD" clId="Web-{1CCA9C19-C3E6-4EC9-9E30-6F0324AE388D}" dt="2021-08-01T15:41:12.211" v="12" actId="20577"/>
+      <pc:docMkLst>
+        <pc:docMk/>
+      </pc:docMkLst>
+      <pc:sldChg chg="addSp modSp mod modClrScheme chgLayout">
+        <pc:chgData name="Kuo Han" userId="S::han52@uwindsor.ca::33e7a2f1-3767-48ab-be12-f8a1869d13db" providerId="AD" clId="Web-{1CCA9C19-C3E6-4EC9-9E30-6F0324AE388D}" dt="2021-08-01T15:41:12.211" v="12" actId="20577"/>
+        <pc:sldMkLst>
+          <pc:docMk/>
+          <pc:sldMk cId="1127088810" sldId="298"/>
+        </pc:sldMkLst>
+        <pc:spChg chg="add mod ord">
+          <ac:chgData name="Kuo Han" userId="S::han52@uwindsor.ca::33e7a2f1-3767-48ab-be12-f8a1869d13db" providerId="AD" clId="Web-{1CCA9C19-C3E6-4EC9-9E30-6F0324AE388D}" dt="2021-08-01T15:41:12.211" v="12" actId="20577"/>
+          <ac:spMkLst>
+            <pc:docMk/>
+            <pc:sldMk cId="1127088810" sldId="298"/>
+            <ac:spMk id="2" creationId="{9B0CD272-767C-4324-8FC8-3A51FE11A20A}"/>
+          </ac:spMkLst>
+        </pc:spChg>
+        <pc:spChg chg="mod ord">
+          <ac:chgData name="Kuo Han" userId="S::han52@uwindsor.ca::33e7a2f1-3767-48ab-be12-f8a1869d13db" providerId="AD" clId="Web-{1CCA9C19-C3E6-4EC9-9E30-6F0324AE388D}" dt="2021-08-01T15:40:37.943" v="6" actId="20577"/>
+          <ac:spMkLst>
+            <pc:docMk/>
+            <pc:sldMk cId="1127088810" sldId="298"/>
+            <ac:spMk id="3" creationId="{00000000-0000-0000-0000-000000000000}"/>
+          </ac:spMkLst>
+        </pc:spChg>
+        <pc:spChg chg="mod ord">
+          <ac:chgData name="Kuo Han" userId="S::han52@uwindsor.ca::33e7a2f1-3767-48ab-be12-f8a1869d13db" providerId="AD" clId="Web-{1CCA9C19-C3E6-4EC9-9E30-6F0324AE388D}" dt="2021-08-01T15:40:04.520" v="0"/>
+          <ac:spMkLst>
+            <pc:docMk/>
+            <pc:sldMk cId="1127088810" sldId="298"/>
+            <ac:spMk id="4" creationId="{00000000-0000-0000-0000-000000000000}"/>
+          </ac:spMkLst>
+        </pc:spChg>
+      </pc:sldChg>
+    </pc:docChg>
+  </pc:docChgLst>
+</pc:chgInfo>
+</file>
+
 <file path=ppt/slideLayouts/slideLayout1.xml><?xml version="1.0" encoding="utf-8"?>
 <p:sldLayout xmlns:a="http://schemas.openxmlformats.org/drawingml/2006/main" xmlns:r="http://schemas.openxmlformats.org/officeDocument/2006/relationships" xmlns:p="http://schemas.openxmlformats.org/presentationml/2006/main" type="title" preserve="1">
   <p:cSld name="标题幻灯片">
@@ -275,7 +415,7 @@
           <a:p>
             <a:fld id="{579B9255-C764-41CB-AAFF-93CFE01EE870}" type="datetimeFigureOut">
               <a:rPr lang="zh-CN" altLang="en-US" smtClean="0"/>
-              <a:t>2021/8/1</a:t>
+              <a:t>2021/8/2</a:t>
             </a:fld>
             <a:endParaRPr lang="zh-CN" altLang="en-US"/>
           </a:p>
@@ -473,7 +613,7 @@
           <a:p>
             <a:fld id="{579B9255-C764-41CB-AAFF-93CFE01EE870}" type="datetimeFigureOut">
               <a:rPr lang="zh-CN" altLang="en-US" smtClean="0"/>
-              <a:t>2021/8/1</a:t>
+              <a:t>2021/8/2</a:t>
             </a:fld>
             <a:endParaRPr lang="zh-CN" altLang="en-US"/>
           </a:p>
@@ -681,7 +821,7 @@
           <a:p>
             <a:fld id="{579B9255-C764-41CB-AAFF-93CFE01EE870}" type="datetimeFigureOut">
               <a:rPr lang="zh-CN" altLang="en-US" smtClean="0"/>
-              <a:t>2021/8/1</a:t>
+              <a:t>2021/8/2</a:t>
             </a:fld>
             <a:endParaRPr lang="zh-CN" altLang="en-US"/>
           </a:p>
@@ -798,7 +938,7 @@
           <a:p>
             <a:fld id="{8035C5D1-AD16-4B01-871F-DE047A6CFB67}" type="datetimeFigureOut">
               <a:rPr lang="zh-CN" altLang="en-US" smtClean="0"/>
-              <a:t>2021/8/1</a:t>
+              <a:t>2021/8/2</a:t>
             </a:fld>
             <a:endParaRPr lang="zh-CN" altLang="en-US"/>
           </a:p>
@@ -1038,7 +1178,7 @@
               <a:rPr lang="zh-CN" altLang="en-US"/>
               <a:t>单击此处编辑母版标题样式</a:t>
             </a:r>
-            <a:endParaRPr lang="en-US" dirty="0"/>
+            <a:endParaRPr lang="en-US"/>
           </a:p>
         </p:txBody>
       </p:sp>
@@ -1158,7 +1298,7 @@
               <a:rPr lang="zh-CN" altLang="en-US"/>
               <a:t>单击此处编辑母版副标题样式</a:t>
             </a:r>
-            <a:endParaRPr lang="en-US" dirty="0"/>
+            <a:endParaRPr lang="en-US"/>
           </a:p>
         </p:txBody>
       </p:sp>
@@ -1194,7 +1334,7 @@
           <a:p>
             <a:fld id="{579B9255-C764-41CB-AAFF-93CFE01EE870}" type="datetimeFigureOut">
               <a:rPr lang="zh-CN" altLang="en-US" smtClean="0"/>
-              <a:t>2021/8/1</a:t>
+              <a:t>2021/8/2</a:t>
             </a:fld>
             <a:endParaRPr lang="zh-CN" altLang="en-US"/>
           </a:p>
@@ -1347,7 +1487,7 @@
               <a:rPr lang="zh-CN" altLang="en-US"/>
               <a:t>单击此处编辑母版标题样式</a:t>
             </a:r>
-            <a:endParaRPr lang="en-US" dirty="0"/>
+            <a:endParaRPr lang="en-US"/>
           </a:p>
         </p:txBody>
       </p:sp>
@@ -1404,7 +1544,7 @@
               <a:rPr lang="zh-CN" altLang="en-US"/>
               <a:t>第五级</a:t>
             </a:r>
-            <a:endParaRPr lang="en-US" dirty="0"/>
+            <a:endParaRPr lang="en-US"/>
           </a:p>
         </p:txBody>
       </p:sp>
@@ -1425,7 +1565,7 @@
           <a:p>
             <a:fld id="{579B9255-C764-41CB-AAFF-93CFE01EE870}" type="datetimeFigureOut">
               <a:rPr lang="zh-CN" altLang="en-US" smtClean="0"/>
-              <a:t>2021/8/1</a:t>
+              <a:t>2021/8/2</a:t>
             </a:fld>
             <a:endParaRPr lang="zh-CN" altLang="en-US"/>
           </a:p>
@@ -2318,7 +2458,7 @@
               <a:rPr lang="zh-CN" altLang="en-US"/>
               <a:t>单击此处编辑母版标题样式</a:t>
             </a:r>
-            <a:endParaRPr lang="en-US" dirty="0"/>
+            <a:endParaRPr lang="en-US"/>
           </a:p>
         </p:txBody>
       </p:sp>
@@ -2459,7 +2599,7 @@
           <a:p>
             <a:fld id="{579B9255-C764-41CB-AAFF-93CFE01EE870}" type="datetimeFigureOut">
               <a:rPr lang="zh-CN" altLang="en-US" smtClean="0"/>
-              <a:t>2021/8/1</a:t>
+              <a:t>2021/8/2</a:t>
             </a:fld>
             <a:endParaRPr lang="zh-CN" altLang="en-US"/>
           </a:p>
@@ -2592,7 +2732,7 @@
               <a:rPr lang="zh-CN" altLang="en-US"/>
               <a:t>单击此处编辑母版标题样式</a:t>
             </a:r>
-            <a:endParaRPr lang="en-US" dirty="0"/>
+            <a:endParaRPr lang="en-US"/>
           </a:p>
         </p:txBody>
       </p:sp>
@@ -2651,7 +2791,7 @@
               <a:rPr lang="zh-CN" altLang="en-US"/>
               <a:t>第五级</a:t>
             </a:r>
-            <a:endParaRPr lang="en-US" dirty="0"/>
+            <a:endParaRPr lang="en-US"/>
           </a:p>
         </p:txBody>
       </p:sp>
@@ -2710,7 +2850,7 @@
               <a:rPr lang="zh-CN" altLang="en-US"/>
               <a:t>第五级</a:t>
             </a:r>
-            <a:endParaRPr lang="en-US" dirty="0"/>
+            <a:endParaRPr lang="en-US"/>
           </a:p>
         </p:txBody>
       </p:sp>
@@ -2731,7 +2871,7 @@
           <a:p>
             <a:fld id="{579B9255-C764-41CB-AAFF-93CFE01EE870}" type="datetimeFigureOut">
               <a:rPr lang="zh-CN" altLang="en-US" smtClean="0"/>
-              <a:t>2021/8/1</a:t>
+              <a:t>2021/8/2</a:t>
             </a:fld>
             <a:endParaRPr lang="zh-CN" altLang="en-US"/>
           </a:p>
@@ -2832,7 +2972,7 @@
               <a:rPr lang="zh-CN" altLang="en-US"/>
               <a:t>单击此处编辑母版标题样式</a:t>
             </a:r>
-            <a:endParaRPr lang="en-US" dirty="0"/>
+            <a:endParaRPr lang="en-US"/>
           </a:p>
         </p:txBody>
       </p:sp>
@@ -2962,7 +3102,7 @@
               <a:rPr lang="zh-CN" altLang="en-US"/>
               <a:t>第五级</a:t>
             </a:r>
-            <a:endParaRPr lang="en-US" dirty="0"/>
+            <a:endParaRPr lang="en-US"/>
           </a:p>
         </p:txBody>
       </p:sp>
@@ -3120,7 +3260,7 @@
               <a:rPr lang="zh-CN" altLang="en-US"/>
               <a:t>第五级</a:t>
             </a:r>
-            <a:endParaRPr lang="en-US" dirty="0"/>
+            <a:endParaRPr lang="en-US"/>
           </a:p>
         </p:txBody>
       </p:sp>
@@ -3141,7 +3281,7 @@
           <a:p>
             <a:fld id="{579B9255-C764-41CB-AAFF-93CFE01EE870}" type="datetimeFigureOut">
               <a:rPr lang="zh-CN" altLang="en-US" smtClean="0"/>
-              <a:t>2021/8/1</a:t>
+              <a:t>2021/8/2</a:t>
             </a:fld>
             <a:endParaRPr lang="zh-CN" altLang="en-US"/>
           </a:p>
@@ -3247,7 +3387,7 @@
               <a:rPr lang="zh-CN" altLang="en-US"/>
               <a:t>单击此处编辑母版标题样式</a:t>
             </a:r>
-            <a:endParaRPr lang="en-US" dirty="0"/>
+            <a:endParaRPr lang="en-US"/>
           </a:p>
         </p:txBody>
       </p:sp>
@@ -3268,7 +3408,7 @@
           <a:p>
             <a:fld id="{579B9255-C764-41CB-AAFF-93CFE01EE870}" type="datetimeFigureOut">
               <a:rPr lang="zh-CN" altLang="en-US" smtClean="0"/>
-              <a:t>2021/8/1</a:t>
+              <a:t>2021/8/2</a:t>
             </a:fld>
             <a:endParaRPr lang="zh-CN" altLang="en-US"/>
           </a:p>
@@ -3363,7 +3503,7 @@
           <a:p>
             <a:fld id="{579B9255-C764-41CB-AAFF-93CFE01EE870}" type="datetimeFigureOut">
               <a:rPr lang="zh-CN" altLang="en-US" smtClean="0"/>
-              <a:t>2021/8/1</a:t>
+              <a:t>2021/8/2</a:t>
             </a:fld>
             <a:endParaRPr lang="zh-CN" altLang="en-US"/>
           </a:p>
@@ -3585,7 +3725,7 @@
           <a:p>
             <a:fld id="{579B9255-C764-41CB-AAFF-93CFE01EE870}" type="datetimeFigureOut">
               <a:rPr lang="zh-CN" altLang="en-US" smtClean="0"/>
-              <a:t>2021/8/1</a:t>
+              <a:t>2021/8/2</a:t>
             </a:fld>
             <a:endParaRPr lang="zh-CN" altLang="en-US"/>
           </a:p>
@@ -4490,7 +4630,7 @@
               <a:rPr lang="zh-CN" altLang="en-US"/>
               <a:t>单击此处编辑母版标题样式</a:t>
             </a:r>
-            <a:endParaRPr lang="en-US" dirty="0"/>
+            <a:endParaRPr lang="en-US"/>
           </a:p>
         </p:txBody>
       </p:sp>
@@ -4549,7 +4689,7 @@
               <a:rPr lang="zh-CN" altLang="en-US"/>
               <a:t>第五级</a:t>
             </a:r>
-            <a:endParaRPr lang="en-US" dirty="0"/>
+            <a:endParaRPr lang="en-US"/>
           </a:p>
         </p:txBody>
       </p:sp>
@@ -4642,7 +4782,7 @@
           <a:p>
             <a:fld id="{579B9255-C764-41CB-AAFF-93CFE01EE870}" type="datetimeFigureOut">
               <a:rPr lang="zh-CN" altLang="en-US" smtClean="0"/>
-              <a:t>2021/8/1</a:t>
+              <a:t>2021/8/2</a:t>
             </a:fld>
             <a:endParaRPr lang="zh-CN" altLang="en-US"/>
           </a:p>
@@ -5573,7 +5713,7 @@
               <a:rPr lang="zh-CN" altLang="en-US"/>
               <a:t>单击此处编辑母版标题样式</a:t>
             </a:r>
-            <a:endParaRPr lang="en-US" dirty="0"/>
+            <a:endParaRPr lang="en-US"/>
           </a:p>
         </p:txBody>
       </p:sp>
@@ -5655,7 +5795,7 @@
               <a:rPr lang="zh-CN" altLang="en-US"/>
               <a:t>单击图标添加图片</a:t>
             </a:r>
-            <a:endParaRPr lang="en-US" dirty="0"/>
+            <a:endParaRPr lang="en-US"/>
           </a:p>
         </p:txBody>
       </p:sp>
@@ -5750,7 +5890,7 @@
           <a:p>
             <a:fld id="{579B9255-C764-41CB-AAFF-93CFE01EE870}" type="datetimeFigureOut">
               <a:rPr lang="zh-CN" altLang="en-US" smtClean="0"/>
-              <a:t>2021/8/1</a:t>
+              <a:t>2021/8/2</a:t>
             </a:fld>
             <a:endParaRPr lang="zh-CN" altLang="en-US"/>
           </a:p>
@@ -6644,7 +6784,7 @@
               <a:rPr lang="zh-CN" altLang="en-US"/>
               <a:t>单击此处编辑母版标题样式</a:t>
             </a:r>
-            <a:endParaRPr lang="en-US" dirty="0"/>
+            <a:endParaRPr lang="en-US"/>
           </a:p>
         </p:txBody>
       </p:sp>
@@ -6723,7 +6863,7 @@
               <a:rPr lang="zh-CN" altLang="en-US"/>
               <a:t>单击图标添加图片</a:t>
             </a:r>
-            <a:endParaRPr lang="en-US" dirty="0"/>
+            <a:endParaRPr lang="en-US"/>
           </a:p>
         </p:txBody>
       </p:sp>
@@ -6818,7 +6958,7 @@
           <a:p>
             <a:fld id="{579B9255-C764-41CB-AAFF-93CFE01EE870}" type="datetimeFigureOut">
               <a:rPr lang="zh-CN" altLang="en-US" smtClean="0"/>
-              <a:t>2021/8/1</a:t>
+              <a:t>2021/8/2</a:t>
             </a:fld>
             <a:endParaRPr lang="zh-CN" altLang="en-US"/>
           </a:p>
@@ -7710,7 +7850,7 @@
               <a:rPr lang="zh-CN" altLang="en-US"/>
               <a:t>单击此处编辑母版标题样式</a:t>
             </a:r>
-            <a:endParaRPr lang="en-US" dirty="0"/>
+            <a:endParaRPr lang="en-US"/>
           </a:p>
         </p:txBody>
       </p:sp>
@@ -7798,7 +7938,7 @@
           <a:p>
             <a:fld id="{579B9255-C764-41CB-AAFF-93CFE01EE870}" type="datetimeFigureOut">
               <a:rPr lang="zh-CN" altLang="en-US" smtClean="0"/>
-              <a:t>2021/8/1</a:t>
+              <a:t>2021/8/2</a:t>
             </a:fld>
             <a:endParaRPr lang="zh-CN" altLang="en-US"/>
           </a:p>
@@ -8686,7 +8826,7 @@
           <a:p>
             <a:pPr algn="r"/>
             <a:r>
-              <a:rPr lang="en-US" sz="9600" b="0" i="0" dirty="0">
+              <a:rPr lang="en-US" sz="9600" b="0" i="0">
                 <a:solidFill>
                   <a:schemeClr val="accent1">
                     <a:lumMod val="60000"/>
@@ -8725,7 +8865,7 @@
           <a:p>
             <a:pPr algn="r"/>
             <a:r>
-              <a:rPr lang="en-US" sz="9600" b="0" i="0" dirty="0">
+              <a:rPr lang="en-US" sz="9600" b="0" i="0">
                 <a:solidFill>
                   <a:schemeClr val="accent1">
                     <a:lumMod val="60000"/>
@@ -8768,7 +8908,7 @@
               <a:rPr lang="zh-CN" altLang="en-US"/>
               <a:t>单击此处编辑母版标题样式</a:t>
             </a:r>
-            <a:endParaRPr lang="en-US" dirty="0"/>
+            <a:endParaRPr lang="en-US"/>
           </a:p>
         </p:txBody>
       </p:sp>
@@ -8932,7 +9072,7 @@
           <a:p>
             <a:fld id="{579B9255-C764-41CB-AAFF-93CFE01EE870}" type="datetimeFigureOut">
               <a:rPr lang="zh-CN" altLang="en-US" smtClean="0"/>
-              <a:t>2021/8/1</a:t>
+              <a:t>2021/8/2</a:t>
             </a:fld>
             <a:endParaRPr lang="zh-CN" altLang="en-US"/>
           </a:p>
@@ -9824,7 +9964,7 @@
               <a:rPr lang="zh-CN" altLang="en-US"/>
               <a:t>单击此处编辑母版标题样式</a:t>
             </a:r>
-            <a:endParaRPr lang="en-US" dirty="0"/>
+            <a:endParaRPr lang="en-US"/>
           </a:p>
         </p:txBody>
       </p:sp>
@@ -9965,7 +10105,7 @@
           <a:p>
             <a:fld id="{579B9255-C764-41CB-AAFF-93CFE01EE870}" type="datetimeFigureOut">
               <a:rPr lang="zh-CN" altLang="en-US" smtClean="0"/>
-              <a:t>2021/8/1</a:t>
+              <a:t>2021/8/2</a:t>
             </a:fld>
             <a:endParaRPr lang="zh-CN" altLang="en-US"/>
           </a:p>
@@ -10107,7 +10247,7 @@
               <a:rPr lang="zh-CN" altLang="en-US"/>
               <a:t>单击此处编辑母版标题样式</a:t>
             </a:r>
-            <a:endParaRPr lang="en-US" dirty="0"/>
+            <a:endParaRPr lang="en-US"/>
           </a:p>
         </p:txBody>
       </p:sp>
@@ -10625,7 +10765,7 @@
           <a:p>
             <a:fld id="{579B9255-C764-41CB-AAFF-93CFE01EE870}" type="datetimeFigureOut">
               <a:rPr lang="zh-CN" altLang="en-US" smtClean="0"/>
-              <a:t>2021/8/1</a:t>
+              <a:t>2021/8/2</a:t>
             </a:fld>
             <a:endParaRPr lang="zh-CN" altLang="en-US"/>
           </a:p>
@@ -10731,7 +10871,7 @@
               <a:rPr lang="zh-CN" altLang="en-US"/>
               <a:t>单击此处编辑母版标题样式</a:t>
             </a:r>
-            <a:endParaRPr lang="en-US" dirty="0"/>
+            <a:endParaRPr lang="en-US"/>
           </a:p>
         </p:txBody>
       </p:sp>
@@ -10884,7 +11024,7 @@
               <a:rPr lang="zh-CN" altLang="en-US"/>
               <a:t>单击图标添加图片</a:t>
             </a:r>
-            <a:endParaRPr lang="en-US" dirty="0"/>
+            <a:endParaRPr lang="en-US"/>
           </a:p>
         </p:txBody>
       </p:sp>
@@ -11104,7 +11244,7 @@
               <a:rPr lang="zh-CN" altLang="en-US"/>
               <a:t>单击图标添加图片</a:t>
             </a:r>
-            <a:endParaRPr lang="en-US" dirty="0"/>
+            <a:endParaRPr lang="en-US"/>
           </a:p>
         </p:txBody>
       </p:sp>
@@ -11324,7 +11464,7 @@
               <a:rPr lang="zh-CN" altLang="en-US"/>
               <a:t>单击图标添加图片</a:t>
             </a:r>
-            <a:endParaRPr lang="en-US" dirty="0"/>
+            <a:endParaRPr lang="en-US"/>
           </a:p>
         </p:txBody>
       </p:sp>
@@ -11486,7 +11626,7 @@
           <a:p>
             <a:fld id="{579B9255-C764-41CB-AAFF-93CFE01EE870}" type="datetimeFigureOut">
               <a:rPr lang="zh-CN" altLang="en-US" smtClean="0"/>
-              <a:t>2021/8/1</a:t>
+              <a:t>2021/8/2</a:t>
             </a:fld>
             <a:endParaRPr lang="zh-CN" altLang="en-US"/>
           </a:p>
@@ -11593,7 +11733,7 @@
               <a:rPr lang="zh-CN" altLang="en-US"/>
               <a:t>单击此处编辑母版标题样式</a:t>
             </a:r>
-            <a:endParaRPr lang="en-US" dirty="0"/>
+            <a:endParaRPr lang="en-US"/>
           </a:p>
         </p:txBody>
       </p:sp>
@@ -11650,7 +11790,7 @@
               <a:rPr lang="zh-CN" altLang="en-US"/>
               <a:t>第五级</a:t>
             </a:r>
-            <a:endParaRPr lang="en-US" dirty="0"/>
+            <a:endParaRPr lang="en-US"/>
           </a:p>
         </p:txBody>
       </p:sp>
@@ -11676,7 +11816,7 @@
           <a:p>
             <a:fld id="{579B9255-C764-41CB-AAFF-93CFE01EE870}" type="datetimeFigureOut">
               <a:rPr lang="zh-CN" altLang="en-US" smtClean="0"/>
-              <a:t>2021/8/1</a:t>
+              <a:t>2021/8/2</a:t>
             </a:fld>
             <a:endParaRPr lang="zh-CN" altLang="en-US"/>
           </a:p>
@@ -12565,7 +12705,7 @@
               <a:rPr lang="zh-CN" altLang="en-US"/>
               <a:t>单击此处编辑母版标题样式</a:t>
             </a:r>
-            <a:endParaRPr lang="en-US" dirty="0"/>
+            <a:endParaRPr lang="en-US"/>
           </a:p>
         </p:txBody>
       </p:sp>
@@ -12622,7 +12762,7 @@
               <a:rPr lang="zh-CN" altLang="en-US"/>
               <a:t>第五级</a:t>
             </a:r>
-            <a:endParaRPr lang="en-US" dirty="0"/>
+            <a:endParaRPr lang="en-US"/>
           </a:p>
         </p:txBody>
       </p:sp>
@@ -12648,7 +12788,7 @@
           <a:p>
             <a:fld id="{579B9255-C764-41CB-AAFF-93CFE01EE870}" type="datetimeFigureOut">
               <a:rPr lang="zh-CN" altLang="en-US" smtClean="0"/>
-              <a:t>2021/8/1</a:t>
+              <a:t>2021/8/2</a:t>
             </a:fld>
             <a:endParaRPr lang="zh-CN" altLang="en-US"/>
           </a:p>
@@ -12947,7 +13087,7 @@
           <a:p>
             <a:fld id="{579B9255-C764-41CB-AAFF-93CFE01EE870}" type="datetimeFigureOut">
               <a:rPr lang="zh-CN" altLang="en-US" smtClean="0"/>
-              <a:t>2021/8/1</a:t>
+              <a:t>2021/8/2</a:t>
             </a:fld>
             <a:endParaRPr lang="zh-CN" altLang="en-US"/>
           </a:p>
@@ -13212,7 +13352,7 @@
           <a:p>
             <a:fld id="{579B9255-C764-41CB-AAFF-93CFE01EE870}" type="datetimeFigureOut">
               <a:rPr lang="zh-CN" altLang="en-US" smtClean="0"/>
-              <a:t>2021/8/1</a:t>
+              <a:t>2021/8/2</a:t>
             </a:fld>
             <a:endParaRPr lang="zh-CN" altLang="en-US"/>
           </a:p>
@@ -13624,7 +13764,7 @@
           <a:p>
             <a:fld id="{579B9255-C764-41CB-AAFF-93CFE01EE870}" type="datetimeFigureOut">
               <a:rPr lang="zh-CN" altLang="en-US" smtClean="0"/>
-              <a:t>2021/8/1</a:t>
+              <a:t>2021/8/2</a:t>
             </a:fld>
             <a:endParaRPr lang="zh-CN" altLang="en-US"/>
           </a:p>
@@ -13765,7 +13905,7 @@
           <a:p>
             <a:fld id="{579B9255-C764-41CB-AAFF-93CFE01EE870}" type="datetimeFigureOut">
               <a:rPr lang="zh-CN" altLang="en-US" smtClean="0"/>
-              <a:t>2021/8/1</a:t>
+              <a:t>2021/8/2</a:t>
             </a:fld>
             <a:endParaRPr lang="zh-CN" altLang="en-US"/>
           </a:p>
@@ -13878,7 +14018,7 @@
           <a:p>
             <a:fld id="{579B9255-C764-41CB-AAFF-93CFE01EE870}" type="datetimeFigureOut">
               <a:rPr lang="zh-CN" altLang="en-US" smtClean="0"/>
-              <a:t>2021/8/1</a:t>
+              <a:t>2021/8/2</a:t>
             </a:fld>
             <a:endParaRPr lang="zh-CN" altLang="en-US"/>
           </a:p>
@@ -14189,7 +14329,7 @@
           <a:p>
             <a:fld id="{579B9255-C764-41CB-AAFF-93CFE01EE870}" type="datetimeFigureOut">
               <a:rPr lang="zh-CN" altLang="en-US" smtClean="0"/>
-              <a:t>2021/8/1</a:t>
+              <a:t>2021/8/2</a:t>
             </a:fld>
             <a:endParaRPr lang="zh-CN" altLang="en-US"/>
           </a:p>
@@ -14477,7 +14617,7 @@
           <a:p>
             <a:fld id="{579B9255-C764-41CB-AAFF-93CFE01EE870}" type="datetimeFigureOut">
               <a:rPr lang="zh-CN" altLang="en-US" smtClean="0"/>
-              <a:t>2021/8/1</a:t>
+              <a:t>2021/8/2</a:t>
             </a:fld>
             <a:endParaRPr lang="zh-CN" altLang="en-US"/>
           </a:p>
@@ -14724,7 +14864,7 @@
           <a:p>
             <a:fld id="{579B9255-C764-41CB-AAFF-93CFE01EE870}" type="datetimeFigureOut">
               <a:rPr lang="zh-CN" altLang="en-US" smtClean="0"/>
-              <a:t>2021/8/1</a:t>
+              <a:t>2021/8/2</a:t>
             </a:fld>
             <a:endParaRPr lang="zh-CN" altLang="en-US"/>
           </a:p>
@@ -15926,7 +16066,7 @@
               <a:rPr lang="zh-CN" altLang="en-US"/>
               <a:t>单击此处编辑母版标题样式</a:t>
             </a:r>
-            <a:endParaRPr lang="en-US" dirty="0"/>
+            <a:endParaRPr lang="en-US"/>
           </a:p>
         </p:txBody>
       </p:sp>
@@ -15988,7 +16128,7 @@
               <a:rPr lang="zh-CN" altLang="en-US"/>
               <a:t>第五级</a:t>
             </a:r>
-            <a:endParaRPr lang="en-US" dirty="0"/>
+            <a:endParaRPr lang="en-US"/>
           </a:p>
         </p:txBody>
       </p:sp>
@@ -16025,7 +16165,7 @@
           <a:p>
             <a:fld id="{579B9255-C764-41CB-AAFF-93CFE01EE870}" type="datetimeFigureOut">
               <a:rPr lang="zh-CN" altLang="en-US" smtClean="0"/>
-              <a:t>2021/8/1</a:t>
+              <a:t>2021/8/2</a:t>
             </a:fld>
             <a:endParaRPr lang="zh-CN" altLang="en-US"/>
           </a:p>
@@ -16611,7 +16751,7 @@
               </a:lnSpc>
             </a:pPr>
             <a:r>
-              <a:rPr lang="en-US" altLang="zh-CN" sz="3200" dirty="0">
+              <a:rPr lang="en-US" altLang="zh-CN" sz="3200">
                 <a:ln w="6350">
                   <a:noFill/>
                 </a:ln>
@@ -16626,7 +16766,7 @@
               <a:t>Group Member</a:t>
             </a:r>
             <a:r>
-              <a:rPr lang="en-US" altLang="zh-CN" sz="1333" dirty="0">
+              <a:rPr lang="en-US" altLang="zh-CN" sz="1333">
                 <a:ln w="6350">
                   <a:noFill/>
                 </a:ln>
@@ -16648,7 +16788,7 @@
               </a:lnSpc>
             </a:pPr>
             <a:r>
-              <a:rPr lang="en-US" altLang="zh-CN" sz="1333" dirty="0">
+              <a:rPr lang="en-US" altLang="zh-CN" sz="1333">
                 <a:ln w="6350">
                   <a:noFill/>
                 </a:ln>
@@ -16670,7 +16810,7 @@
               </a:lnSpc>
             </a:pPr>
             <a:r>
-              <a:rPr lang="en-US" altLang="zh-CN" sz="1333" dirty="0" err="1">
+              <a:rPr lang="en-US" altLang="zh-CN" sz="1333" err="1">
                 <a:ln w="6350">
                   <a:noFill/>
                 </a:ln>
@@ -16685,7 +16825,7 @@
               <a:t>Yihao</a:t>
             </a:r>
             <a:r>
-              <a:rPr lang="en-US" altLang="zh-CN" sz="1333" dirty="0">
+              <a:rPr lang="en-US" altLang="zh-CN" sz="1333">
                 <a:ln w="6350">
                   <a:noFill/>
                 </a:ln>
@@ -16707,7 +16847,7 @@
               </a:lnSpc>
             </a:pPr>
             <a:r>
-              <a:rPr lang="en-US" altLang="zh-CN" sz="1333" dirty="0" err="1">
+              <a:rPr lang="en-US" altLang="zh-CN" sz="1333" err="1">
                 <a:ln w="6350">
                   <a:noFill/>
                 </a:ln>
@@ -16722,7 +16862,7 @@
               <a:t>Kuo</a:t>
             </a:r>
             <a:r>
-              <a:rPr lang="en-US" altLang="zh-CN" sz="1333" dirty="0">
+              <a:rPr lang="en-US" altLang="zh-CN" sz="1333">
                 <a:ln w="6350">
                   <a:noFill/>
                 </a:ln>
@@ -16744,7 +16884,7 @@
               </a:lnSpc>
             </a:pPr>
             <a:r>
-              <a:rPr lang="en-US" altLang="zh-CN" sz="1333" dirty="0" err="1">
+              <a:rPr lang="en-US" altLang="zh-CN" sz="1333" err="1">
                 <a:ln w="6350">
                   <a:noFill/>
                 </a:ln>
@@ -16759,7 +16899,7 @@
               <a:t>Ruoqi</a:t>
             </a:r>
             <a:r>
-              <a:rPr lang="en-US" altLang="zh-CN" sz="1333" dirty="0">
+              <a:rPr lang="en-US" altLang="zh-CN" sz="1333">
                 <a:ln w="6350">
                   <a:noFill/>
                 </a:ln>
@@ -16773,7 +16913,7 @@
               </a:rPr>
               <a:t> Shan</a:t>
             </a:r>
-            <a:endParaRPr lang="zh-CN" altLang="en-US" sz="1333" dirty="0">
+            <a:endParaRPr lang="zh-CN" altLang="en-US" sz="1333">
               <a:ln w="6350">
                 <a:noFill/>
               </a:ln>
@@ -16792,7 +16932,7 @@
                 <a:spcPct val="150000"/>
               </a:lnSpc>
             </a:pPr>
-            <a:endParaRPr lang="zh-CN" altLang="en-US" sz="1333" dirty="0">
+            <a:endParaRPr lang="zh-CN" altLang="en-US" sz="1333">
               <a:ln w="6350">
                 <a:noFill/>
               </a:ln>
@@ -16829,7 +16969,7 @@
           <a:lstStyle/>
           <a:p>
             <a:r>
-              <a:rPr lang="en-US" altLang="zh-CN" sz="4800" b="1" dirty="0">
+              <a:rPr lang="en-US" altLang="zh-CN" sz="4800" b="1">
                 <a:ln w="6350">
                   <a:noFill/>
                 </a:ln>
@@ -16844,7 +16984,7 @@
               </a:rPr>
               <a:t>Web Search Engine</a:t>
             </a:r>
-            <a:endParaRPr lang="zh-CN" altLang="en-US" sz="4800" b="1" dirty="0">
+            <a:endParaRPr lang="zh-CN" altLang="en-US" sz="4800" b="1">
               <a:ln w="6350">
                 <a:noFill/>
               </a:ln>
@@ -17198,10 +17338,10 @@
           <a:lstStyle/>
           <a:p>
             <a:r>
-              <a:rPr lang="en-US" altLang="zh-CN" b="1" dirty="0"/>
+              <a:rPr lang="en-US" altLang="zh-CN" b="1"/>
               <a:t>Main functions of the software</a:t>
             </a:r>
-            <a:endParaRPr lang="zh-CN" altLang="en-US" b="1" dirty="0"/>
+            <a:endParaRPr lang="zh-CN" altLang="en-US" b="1"/>
           </a:p>
         </p:txBody>
       </p:sp>
@@ -17223,7 +17363,9 @@
         </p:nvSpPr>
         <p:spPr/>
         <p:txBody>
-          <a:bodyPr/>
+          <a:bodyPr vert="horz" lIns="91440" tIns="45720" rIns="91440" bIns="45720" rtlCol="0" anchor="t">
+            <a:normAutofit/>
+          </a:bodyPr>
           <a:lstStyle/>
           <a:p>
             <a:pPr>
@@ -17232,11 +17374,11 @@
               </a:lnSpc>
             </a:pPr>
             <a:r>
-              <a:rPr lang="en-US" altLang="zh-CN" kern="100" dirty="0">
+              <a:rPr lang="en-US" altLang="zh-CN" kern="100">
                 <a:effectLst/>
-                <a:latin typeface="Times New Roman" panose="02020603050405020304" pitchFamily="18" charset="0"/>
-                <a:ea typeface="宋体" panose="02010600030101010101" pitchFamily="2" charset="-122"/>
-                <a:cs typeface="Times New Roman" panose="02020603050405020304" pitchFamily="18" charset="0"/>
+                <a:latin typeface="Times New Roman"/>
+                <a:ea typeface="宋体"/>
+                <a:cs typeface="Times New Roman"/>
               </a:rPr>
               <a:t>Count the words in a file and the number of times each word appears</a:t>
             </a:r>
@@ -17248,13 +17390,21 @@
               </a:lnSpc>
             </a:pPr>
             <a:r>
-              <a:rPr lang="en-US" altLang="zh-CN" kern="100" dirty="0">
+              <a:rPr lang="en-US" altLang="zh-CN" kern="100">
+                <a:latin typeface="Times New Roman"/>
+                <a:ea typeface="宋体"/>
+                <a:cs typeface="Times New Roman"/>
+              </a:rPr>
+              <a:t>File Type: HTML</a:t>
+            </a:r>
+            <a:r>
+              <a:rPr lang="en-US" altLang="zh-CN" kern="100">
                 <a:effectLst/>
-                <a:latin typeface="Times New Roman" panose="02020603050405020304" pitchFamily="18" charset="0"/>
-                <a:ea typeface="宋体" panose="02010600030101010101" pitchFamily="2" charset="-122"/>
-                <a:cs typeface="Times New Roman" panose="02020603050405020304" pitchFamily="18" charset="0"/>
+                <a:latin typeface="Times New Roman"/>
+                <a:ea typeface="宋体"/>
+                <a:cs typeface="Times New Roman"/>
               </a:rPr>
-              <a:t>HTML files, TXT files or even Web pages.</a:t>
+              <a:t> files, TXT files or even Web pages.</a:t>
             </a:r>
           </a:p>
           <a:p>
@@ -17264,14 +17414,45 @@
               </a:lnSpc>
             </a:pPr>
             <a:r>
-              <a:rPr lang="en-US" altLang="zh-CN" kern="100" dirty="0">
+              <a:rPr lang="en-US" altLang="zh-CN" kern="100">
                 <a:effectLst/>
-                <a:latin typeface="Times New Roman" panose="02020603050405020304" pitchFamily="18" charset="0"/>
-                <a:ea typeface="宋体" panose="02010600030101010101" pitchFamily="2" charset="-122"/>
-                <a:cs typeface="Times New Roman" panose="02020603050405020304" pitchFamily="18" charset="0"/>
+                <a:latin typeface="Times New Roman"/>
+                <a:ea typeface="宋体"/>
+                <a:cs typeface="Times New Roman"/>
               </a:rPr>
-              <a:t>Create a dictionary &amp; count the number</a:t>
-            </a:r>
+              <a:t>Create a </a:t>
+            </a:r>
+            <a:r>
+              <a:rPr lang="en-US" altLang="zh-CN" kern="100">
+                <a:latin typeface="Times New Roman"/>
+                <a:ea typeface="宋体"/>
+                <a:cs typeface="Times New Roman"/>
+              </a:rPr>
+              <a:t>Dictionary</a:t>
+            </a:r>
+            <a:r>
+              <a:rPr lang="en-US" altLang="zh-CN" kern="100">
+                <a:effectLst/>
+                <a:latin typeface="Times New Roman"/>
+                <a:ea typeface="宋体"/>
+                <a:cs typeface="Times New Roman"/>
+              </a:rPr>
+              <a:t> &amp; </a:t>
+            </a:r>
+            <a:r>
+              <a:rPr lang="en-US" altLang="zh-CN" kern="100">
+                <a:latin typeface="Times New Roman"/>
+                <a:ea typeface="宋体"/>
+                <a:cs typeface="Times New Roman"/>
+              </a:rPr>
+              <a:t>a Map</a:t>
+            </a:r>
+            <a:endParaRPr lang="en-US" altLang="zh-CN" kern="100">
+              <a:effectLst/>
+              <a:latin typeface="Times New Roman" panose="02020603050405020304" pitchFamily="18" charset="0"/>
+              <a:ea typeface="宋体" panose="02010600030101010101" pitchFamily="2" charset="-122"/>
+              <a:cs typeface="Times New Roman" panose="02020603050405020304" pitchFamily="18" charset="0"/>
+            </a:endParaRPr>
           </a:p>
           <a:p>
             <a:pPr>
@@ -17280,32 +17461,32 @@
               </a:lnSpc>
             </a:pPr>
             <a:r>
-              <a:rPr lang="en-US" altLang="zh-CN" kern="100" dirty="0">
+              <a:rPr lang="en-US" altLang="zh-CN" kern="100">
                 <a:effectLst/>
-                <a:latin typeface="Times New Roman" panose="02020603050405020304" pitchFamily="18" charset="0"/>
-                <a:ea typeface="宋体" panose="02010600030101010101" pitchFamily="2" charset="-122"/>
-                <a:cs typeface="Times New Roman" panose="02020603050405020304" pitchFamily="18" charset="0"/>
+                <a:latin typeface="Times New Roman"/>
+                <a:ea typeface="宋体"/>
+                <a:cs typeface="Times New Roman"/>
               </a:rPr>
               <a:t>Output all the words in the file, </a:t>
             </a:r>
             <a:r>
-              <a:rPr lang="en-US" altLang="zh-CN" b="0" i="0" kern="100" dirty="0">
+              <a:rPr lang="en-US" altLang="zh-CN" b="0" i="0" kern="100">
                 <a:solidFill>
                   <a:srgbClr val="000000"/>
                 </a:solidFill>
                 <a:effectLst/>
-                <a:latin typeface="Times New Roman" panose="02020603050405020304" pitchFamily="18" charset="0"/>
-                <a:ea typeface="宋体" panose="02010600030101010101" pitchFamily="2" charset="-122"/>
-                <a:cs typeface="Times New Roman" panose="02020603050405020304" pitchFamily="18" charset="0"/>
+                <a:latin typeface="Times New Roman"/>
+                <a:ea typeface="宋体"/>
+                <a:cs typeface="Times New Roman"/>
               </a:rPr>
               <a:t>and the 10 most frequent words</a:t>
             </a:r>
             <a:r>
-              <a:rPr lang="en-US" altLang="zh-CN" kern="100" dirty="0">
+              <a:rPr lang="en-US" altLang="zh-CN" kern="100">
                 <a:effectLst/>
-                <a:latin typeface="Times New Roman" panose="02020603050405020304" pitchFamily="18" charset="0"/>
-                <a:ea typeface="宋体" panose="02010600030101010101" pitchFamily="2" charset="-122"/>
-                <a:cs typeface="Times New Roman" panose="02020603050405020304" pitchFamily="18" charset="0"/>
+                <a:latin typeface="Times New Roman"/>
+                <a:ea typeface="宋体"/>
+                <a:cs typeface="Times New Roman"/>
               </a:rPr>
               <a:t>.</a:t>
             </a:r>
@@ -17317,23 +17498,23 @@
               </a:lnSpc>
             </a:pPr>
             <a:r>
-              <a:rPr lang="en-US" altLang="zh-CN" kern="100" dirty="0">
+              <a:rPr lang="en-US" altLang="zh-CN" kern="100">
                 <a:effectLst/>
-                <a:latin typeface="Times New Roman" panose="02020603050405020304" pitchFamily="18" charset="0"/>
-                <a:ea typeface="宋体" panose="02010600030101010101" pitchFamily="2" charset="-122"/>
-                <a:cs typeface="Times New Roman" panose="02020603050405020304" pitchFamily="18" charset="0"/>
+                <a:latin typeface="Times New Roman"/>
+                <a:ea typeface="宋体"/>
+                <a:cs typeface="Times New Roman"/>
               </a:rPr>
               <a:t>Check the existence of words and their frequency</a:t>
             </a:r>
-            <a:endParaRPr lang="en-US" altLang="zh-CN" sz="1800" kern="100" dirty="0">
+            <a:endParaRPr lang="en-US" altLang="zh-CN" sz="1800" kern="100">
               <a:effectLst/>
-              <a:latin typeface="Calibri" panose="020F0502020204030204" pitchFamily="34" charset="0"/>
-              <a:ea typeface="宋体" panose="02010600030101010101" pitchFamily="2" charset="-122"/>
-              <a:cs typeface="Times New Roman" panose="02020603050405020304" pitchFamily="18" charset="0"/>
+              <a:latin typeface="Times New Roman"/>
+              <a:ea typeface="宋体"/>
+              <a:cs typeface="Times New Roman"/>
             </a:endParaRPr>
           </a:p>
           <a:p>
-            <a:endParaRPr lang="zh-CN" altLang="en-US" dirty="0"/>
+            <a:endParaRPr lang="zh-CN" altLang="en-US"/>
           </a:p>
         </p:txBody>
       </p:sp>
@@ -17564,10 +17745,10 @@
           <a:lstStyle/>
           <a:p>
             <a:r>
-              <a:rPr lang="en-US" altLang="zh-CN" dirty="0"/>
+              <a:rPr lang="en-US" altLang="zh-CN"/>
               <a:t>Fig.1 Functions</a:t>
             </a:r>
-            <a:endParaRPr lang="zh-CN" altLang="en-US" dirty="0"/>
+            <a:endParaRPr lang="zh-CN" altLang="en-US"/>
           </a:p>
         </p:txBody>
       </p:sp>
@@ -17623,10 +17804,10 @@
           <a:lstStyle/>
           <a:p>
             <a:r>
-              <a:rPr lang="en-US" altLang="zh-CN" dirty="0"/>
+              <a:rPr lang="en-US" altLang="zh-CN"/>
               <a:t>Classroom knowledge points used</a:t>
             </a:r>
-            <a:endParaRPr lang="zh-CN" altLang="en-US" dirty="0"/>
+            <a:endParaRPr lang="zh-CN" altLang="en-US"/>
           </a:p>
         </p:txBody>
       </p:sp>
@@ -17648,21 +17829,138 @@
         </p:nvSpPr>
         <p:spPr>
           <a:xfrm>
-            <a:off x="838200" y="1856325"/>
-            <a:ext cx="5181600" cy="4351338"/>
+            <a:off x="625840" y="1856325"/>
+            <a:ext cx="5393960" cy="4351338"/>
           </a:xfrm>
         </p:spPr>
         <p:txBody>
-          <a:bodyPr>
-            <a:normAutofit/>
+          <a:bodyPr vert="horz" lIns="91440" tIns="45720" rIns="91440" bIns="45720" rtlCol="0" anchor="t">
+            <a:normAutofit fontScale="85000" lnSpcReduction="20000"/>
           </a:bodyPr>
           <a:lstStyle/>
           <a:p>
             <a:r>
-              <a:rPr lang="en-US" altLang="zh-CN" dirty="0" err="1"/>
+              <a:rPr lang="en-US" dirty="0" err="1">
+                <a:ea typeface="+mn-lt"/>
+                <a:cs typeface="+mn-lt"/>
+              </a:rPr>
               <a:t>Jsoup</a:t>
             </a:r>
-            <a:endParaRPr lang="en-US" altLang="zh-CN" dirty="0"/>
+            <a:endParaRPr lang="en-US" dirty="0">
+              <a:ea typeface="+mn-lt"/>
+              <a:cs typeface="+mn-lt"/>
+            </a:endParaRPr>
+          </a:p>
+          <a:p>
+            <a:pPr>
+              <a:buFont typeface="Wingdings,Sans-Serif" panose="020B0604020202020204" pitchFamily="34" charset="0"/>
+              <a:buChar char="Ø"/>
+            </a:pPr>
+            <a:r>
+              <a:rPr lang="en-US" sz="2300" dirty="0" err="1">
+                <a:solidFill>
+                  <a:schemeClr val="accent1">
+                    <a:lumMod val="75000"/>
+                  </a:schemeClr>
+                </a:solidFill>
+                <a:latin typeface="Times New Roman"/>
+                <a:cs typeface="Times New Roman"/>
+              </a:rPr>
+              <a:t>transformWebToText</a:t>
+            </a:r>
+            <a:r>
+              <a:rPr lang="en-US" sz="2300" dirty="0">
+                <a:solidFill>
+                  <a:schemeClr val="accent1">
+                    <a:lumMod val="75000"/>
+                  </a:schemeClr>
+                </a:solidFill>
+                <a:latin typeface="Times New Roman"/>
+                <a:cs typeface="Times New Roman"/>
+              </a:rPr>
+              <a:t>(String, String)</a:t>
+            </a:r>
+            <a:endParaRPr lang="en-US" sz="2300" dirty="0">
+              <a:solidFill>
+                <a:schemeClr val="accent1">
+                  <a:lumMod val="75000"/>
+                </a:schemeClr>
+              </a:solidFill>
+              <a:latin typeface="Times New Roman"/>
+              <a:ea typeface="+mn-lt"/>
+              <a:cs typeface="Times New Roman"/>
+            </a:endParaRPr>
+          </a:p>
+          <a:p>
+            <a:pPr>
+              <a:buFont typeface="Wingdings,Sans-Serif" panose="020B0604020202020204" pitchFamily="34" charset="0"/>
+              <a:buChar char="Ø"/>
+            </a:pPr>
+            <a:r>
+              <a:rPr lang="en-US" sz="2300" dirty="0" err="1">
+                <a:solidFill>
+                  <a:schemeClr val="accent1">
+                    <a:lumMod val="75000"/>
+                  </a:schemeClr>
+                </a:solidFill>
+                <a:latin typeface="Times New Roman"/>
+                <a:cs typeface="Times New Roman"/>
+              </a:rPr>
+              <a:t>transformHtmlToText</a:t>
+            </a:r>
+            <a:r>
+              <a:rPr lang="en-US" sz="2300" dirty="0">
+                <a:solidFill>
+                  <a:schemeClr val="accent1">
+                    <a:lumMod val="75000"/>
+                  </a:schemeClr>
+                </a:solidFill>
+                <a:latin typeface="Times New Roman"/>
+                <a:cs typeface="Times New Roman"/>
+              </a:rPr>
+              <a:t>(String)</a:t>
+            </a:r>
+            <a:endParaRPr lang="en-US" sz="2300" dirty="0">
+              <a:solidFill>
+                <a:schemeClr val="accent1">
+                  <a:lumMod val="75000"/>
+                </a:schemeClr>
+              </a:solidFill>
+              <a:latin typeface="Times New Roman"/>
+              <a:ea typeface="+mn-lt"/>
+              <a:cs typeface="Times New Roman"/>
+            </a:endParaRPr>
+          </a:p>
+          <a:p>
+            <a:endParaRPr lang="en-US" dirty="0">
+              <a:ea typeface="+mn-lt"/>
+              <a:cs typeface="+mn-lt"/>
+            </a:endParaRPr>
+          </a:p>
+          <a:p>
+            <a:r>
+              <a:rPr lang="en-US" dirty="0" err="1">
+                <a:ea typeface="+mn-lt"/>
+                <a:cs typeface="+mn-lt"/>
+              </a:rPr>
+              <a:t>StringTokenizer</a:t>
+            </a:r>
+            <a:endParaRPr lang="en-US" dirty="0">
+              <a:ea typeface="+mn-lt"/>
+              <a:cs typeface="+mn-lt"/>
+            </a:endParaRPr>
+          </a:p>
+          <a:p>
+            <a:r>
+              <a:rPr lang="en-US" dirty="0">
+                <a:ea typeface="等线"/>
+              </a:rPr>
+              <a:t>Java Regex </a:t>
+            </a:r>
+            <a:endParaRPr lang="en-US" dirty="0">
+              <a:ea typeface="+mn-lt"/>
+              <a:cs typeface="+mn-lt"/>
+            </a:endParaRPr>
           </a:p>
           <a:p>
             <a:pPr>
@@ -17670,117 +17968,155 @@
               <a:buChar char="Ø"/>
             </a:pPr>
             <a:r>
-              <a:rPr lang="en-US" altLang="zh-CN" sz="1800" dirty="0" err="1">
+              <a:rPr lang="en-US" sz="2300" dirty="0" err="1">
                 <a:solidFill>
                   <a:schemeClr val="accent1">
                     <a:lumMod val="75000"/>
                   </a:schemeClr>
                 </a:solidFill>
-                <a:latin typeface="Times New Roman" panose="02020603050405020304" pitchFamily="18" charset="0"/>
-                <a:cs typeface="Times New Roman" panose="02020603050405020304" pitchFamily="18" charset="0"/>
+                <a:latin typeface="Times New Roman"/>
+                <a:cs typeface="Times New Roman"/>
               </a:rPr>
-              <a:t>transformWebToText</a:t>
-            </a:r>
-            <a:r>
-              <a:rPr lang="en-US" altLang="zh-CN" sz="1800" dirty="0">
+              <a:t>gotStringAllWords</a:t>
+            </a:r>
+            <a:r>
+              <a:rPr lang="en-US" sz="2300" dirty="0">
                 <a:solidFill>
                   <a:schemeClr val="accent1">
                     <a:lumMod val="75000"/>
                   </a:schemeClr>
                 </a:solidFill>
-                <a:latin typeface="Times New Roman" panose="02020603050405020304" pitchFamily="18" charset="0"/>
-                <a:cs typeface="Times New Roman" panose="02020603050405020304" pitchFamily="18" charset="0"/>
+                <a:latin typeface="Times New Roman"/>
+                <a:cs typeface="Times New Roman"/>
               </a:rPr>
-              <a:t>(String, String)</a:t>
-            </a:r>
+              <a:t>(String string)</a:t>
+            </a:r>
+            <a:endParaRPr lang="en-US" sz="2300" dirty="0">
+              <a:solidFill>
+                <a:schemeClr val="accent1">
+                  <a:lumMod val="75000"/>
+                </a:schemeClr>
+              </a:solidFill>
+              <a:ea typeface="+mn-lt"/>
+              <a:cs typeface="+mn-lt"/>
+            </a:endParaRPr>
+          </a:p>
+          <a:p>
+            <a:endParaRPr lang="en-US" dirty="0">
+              <a:ea typeface="+mn-lt"/>
+              <a:cs typeface="+mn-lt"/>
+            </a:endParaRPr>
           </a:p>
           <a:p>
             <a:pPr>
-              <a:buFont typeface="Wingdings" panose="05000000000000000000" pitchFamily="2" charset="2"/>
+              <a:buFont typeface="Arial,Sans-Serif" panose="020B0604020202020204" pitchFamily="34" charset="0"/>
+              <a:buChar char="•"/>
+            </a:pPr>
+            <a:r>
+              <a:rPr lang="en-US" dirty="0">
+                <a:latin typeface="等线"/>
+                <a:ea typeface="等线"/>
+                <a:cs typeface="Times New Roman"/>
+              </a:rPr>
+              <a:t>Map</a:t>
+            </a:r>
+            <a:endParaRPr lang="en-US" dirty="0">
+              <a:ea typeface="+mn-lt"/>
+              <a:cs typeface="Times New Roman"/>
+            </a:endParaRPr>
+          </a:p>
+          <a:p>
+            <a:pPr>
+              <a:buFont typeface="Wingdings,Sans-Serif" panose="020B0604020202020204" pitchFamily="34" charset="0"/>
               <a:buChar char="Ø"/>
             </a:pPr>
             <a:r>
-              <a:rPr lang="en-US" altLang="zh-CN" sz="1800" dirty="0" err="1">
+              <a:rPr lang="en-US" sz="2300" dirty="0" err="1">
                 <a:solidFill>
                   <a:schemeClr val="accent1">
                     <a:lumMod val="75000"/>
                   </a:schemeClr>
                 </a:solidFill>
-                <a:latin typeface="Times New Roman" panose="02020603050405020304" pitchFamily="18" charset="0"/>
-                <a:cs typeface="Times New Roman" panose="02020603050405020304" pitchFamily="18" charset="0"/>
+                <a:latin typeface="Times New Roman"/>
+                <a:cs typeface="Times New Roman"/>
               </a:rPr>
-              <a:t>transformHtmlToText</a:t>
-            </a:r>
-            <a:r>
-              <a:rPr lang="en-US" altLang="zh-CN" sz="1800" dirty="0">
+              <a:t>treeToSortedMap</a:t>
+            </a:r>
+            <a:r>
+              <a:rPr lang="en-US" sz="2300" dirty="0">
                 <a:solidFill>
                   <a:schemeClr val="accent1">
                     <a:lumMod val="75000"/>
                   </a:schemeClr>
                 </a:solidFill>
-                <a:latin typeface="Times New Roman" panose="02020603050405020304" pitchFamily="18" charset="0"/>
-                <a:cs typeface="Times New Roman" panose="02020603050405020304" pitchFamily="18" charset="0"/>
+                <a:latin typeface="Times New Roman"/>
+                <a:cs typeface="Times New Roman"/>
               </a:rPr>
-              <a:t>(String)</a:t>
-            </a:r>
-          </a:p>
-          <a:p>
-            <a:pPr marL="0" indent="0">
-              <a:buNone/>
-            </a:pPr>
-            <a:endParaRPr lang="en-US" altLang="zh-CN" dirty="0"/>
-          </a:p>
-          <a:p>
-            <a:r>
-              <a:rPr lang="en-US" altLang="zh-CN" dirty="0" err="1"/>
-              <a:t>StringTokenizer</a:t>
-            </a:r>
-            <a:endParaRPr lang="en-US" altLang="zh-CN" dirty="0"/>
-          </a:p>
-          <a:p>
-            <a:r>
-              <a:rPr lang="en-US" altLang="zh-CN" dirty="0"/>
-              <a:t>Java Regex </a:t>
-            </a:r>
-          </a:p>
-          <a:p>
-            <a:pPr>
-              <a:buFont typeface="Wingdings" panose="05000000000000000000" pitchFamily="2" charset="2"/>
-              <a:buChar char="Ø"/>
-            </a:pPr>
-            <a:r>
-              <a:rPr lang="en-US" altLang="zh-CN" sz="1800" dirty="0" err="1">
+              <a:t>(String, </a:t>
+            </a:r>
+            <a:r>
+              <a:rPr lang="en-US" sz="2300" dirty="0" err="1">
                 <a:solidFill>
                   <a:schemeClr val="accent1">
                     <a:lumMod val="75000"/>
                   </a:schemeClr>
                 </a:solidFill>
-                <a:latin typeface="Times New Roman" panose="02020603050405020304" pitchFamily="18" charset="0"/>
-                <a:cs typeface="Times New Roman" panose="02020603050405020304" pitchFamily="18" charset="0"/>
+                <a:latin typeface="Times New Roman"/>
+                <a:cs typeface="Times New Roman"/>
               </a:rPr>
-              <a:t>gotStringAllWords</a:t>
-            </a:r>
-            <a:r>
-              <a:rPr lang="en-US" altLang="zh-CN" sz="1800" dirty="0">
+              <a:t>AVLTree</a:t>
+            </a:r>
+            <a:r>
+              <a:rPr lang="en-US" sz="2300" dirty="0">
                 <a:solidFill>
                   <a:schemeClr val="accent1">
                     <a:lumMod val="75000"/>
                   </a:schemeClr>
                 </a:solidFill>
-                <a:latin typeface="Times New Roman" panose="02020603050405020304" pitchFamily="18" charset="0"/>
-                <a:cs typeface="Times New Roman" panose="02020603050405020304" pitchFamily="18" charset="0"/>
+                <a:latin typeface="Times New Roman"/>
+                <a:cs typeface="Times New Roman"/>
               </a:rPr>
-              <a:t>(String string)</a:t>
-            </a:r>
-          </a:p>
-          <a:p>
-            <a:pPr marL="0" indent="0">
-              <a:buNone/>
+              <a:t>&lt;String&gt;)</a:t>
+            </a:r>
+            <a:endParaRPr lang="en-US" sz="2300" dirty="0">
+              <a:solidFill>
+                <a:schemeClr val="accent1">
+                  <a:lumMod val="75000"/>
+                </a:schemeClr>
+              </a:solidFill>
+              <a:ea typeface="+mn-lt"/>
+              <a:cs typeface="+mn-lt"/>
+            </a:endParaRPr>
+          </a:p>
+          <a:p>
+            <a:pPr>
+              <a:buFont typeface="Wingdings,Sans-Serif" panose="020B0604020202020204" pitchFamily="34" charset="0"/>
+              <a:buChar char="Ø"/>
             </a:pPr>
-            <a:br>
-              <a:rPr lang="en-US" altLang="zh-CN" dirty="0"/>
-            </a:br>
-            <a:endParaRPr lang="en-US" altLang="zh-CN" dirty="0"/>
+            <a:r>
+              <a:rPr lang="en-US" sz="2300" dirty="0" err="1">
+                <a:solidFill>
+                  <a:schemeClr val="accent1">
+                    <a:lumMod val="75000"/>
+                  </a:schemeClr>
+                </a:solidFill>
+                <a:latin typeface="Times New Roman"/>
+                <a:cs typeface="Times New Roman"/>
+              </a:rPr>
+              <a:t>printMapContent</a:t>
+            </a:r>
+            <a:r>
+              <a:rPr lang="en-US" sz="2300" dirty="0">
+                <a:solidFill>
+                  <a:schemeClr val="accent1">
+                    <a:lumMod val="75000"/>
+                  </a:schemeClr>
+                </a:solidFill>
+                <a:latin typeface="Times New Roman"/>
+                <a:cs typeface="Times New Roman"/>
+              </a:rPr>
+              <a:t>(Map&lt;String, Integer&gt;, Integer)</a:t>
+            </a:r>
           </a:p>
           <a:p>
             <a:endParaRPr lang="zh-CN" altLang="en-US" dirty="0"/>
@@ -17805,21 +18141,21 @@
         </p:nvSpPr>
         <p:spPr>
           <a:xfrm>
-            <a:off x="6096000" y="1856325"/>
-            <a:ext cx="5391443" cy="4351338"/>
+            <a:off x="6333344" y="1856325"/>
+            <a:ext cx="4629443" cy="991043"/>
           </a:xfrm>
         </p:spPr>
         <p:txBody>
-          <a:bodyPr>
-            <a:normAutofit/>
+          <a:bodyPr vert="horz" lIns="91440" tIns="45720" rIns="91440" bIns="45720" rtlCol="0" anchor="t">
+            <a:normAutofit fontScale="85000" lnSpcReduction="20000"/>
           </a:bodyPr>
           <a:lstStyle/>
           <a:p>
             <a:r>
-              <a:rPr lang="en-US" altLang="zh-CN" dirty="0" err="1"/>
+              <a:rPr lang="en-US" altLang="zh-CN" err="1"/>
               <a:t>AVLTree</a:t>
             </a:r>
-            <a:endParaRPr lang="en-US" altLang="zh-CN" dirty="0"/>
+            <a:endParaRPr lang="en-US" altLang="zh-CN"/>
           </a:p>
           <a:p>
             <a:pPr>
@@ -17827,50 +18163,54 @@
               <a:buChar char="Ø"/>
             </a:pPr>
             <a:r>
-              <a:rPr lang="en-US" altLang="zh-CN" sz="1800" dirty="0" err="1">
+              <a:rPr lang="en-US" altLang="zh-CN" sz="2100" err="1">
                 <a:solidFill>
                   <a:schemeClr val="accent1">
                     <a:lumMod val="75000"/>
                   </a:schemeClr>
                 </a:solidFill>
-                <a:latin typeface="Times New Roman" panose="02020603050405020304" pitchFamily="18" charset="0"/>
-                <a:cs typeface="Times New Roman" panose="02020603050405020304" pitchFamily="18" charset="0"/>
+                <a:latin typeface="Times New Roman"/>
+                <a:ea typeface="等线"/>
+                <a:cs typeface="Times New Roman"/>
               </a:rPr>
               <a:t>avlTree</a:t>
             </a:r>
             <a:r>
-              <a:rPr lang="en-US" altLang="zh-CN" sz="1800" dirty="0">
+              <a:rPr lang="en-US" altLang="zh-CN" sz="2100">
                 <a:solidFill>
                   <a:schemeClr val="accent1">
                     <a:lumMod val="75000"/>
                   </a:schemeClr>
                 </a:solidFill>
-                <a:latin typeface="Times New Roman" panose="02020603050405020304" pitchFamily="18" charset="0"/>
-                <a:cs typeface="Times New Roman" panose="02020603050405020304" pitchFamily="18" charset="0"/>
+                <a:latin typeface="Times New Roman"/>
+                <a:ea typeface="等线"/>
+                <a:cs typeface="Times New Roman"/>
               </a:rPr>
               <a:t>(String[], </a:t>
             </a:r>
             <a:r>
-              <a:rPr lang="en-US" altLang="zh-CN" sz="1800" dirty="0" err="1">
+              <a:rPr lang="en-US" altLang="zh-CN" sz="2100" err="1">
                 <a:solidFill>
                   <a:schemeClr val="accent1">
                     <a:lumMod val="75000"/>
                   </a:schemeClr>
                 </a:solidFill>
-                <a:latin typeface="Times New Roman" panose="02020603050405020304" pitchFamily="18" charset="0"/>
-                <a:cs typeface="Times New Roman" panose="02020603050405020304" pitchFamily="18" charset="0"/>
+                <a:latin typeface="Times New Roman"/>
+                <a:ea typeface="等线"/>
+                <a:cs typeface="Times New Roman"/>
               </a:rPr>
               <a:t>AVLTree</a:t>
             </a:r>
             <a:r>
-              <a:rPr lang="en-US" altLang="zh-CN" sz="1800" dirty="0">
+              <a:rPr lang="en-US" altLang="zh-CN" sz="2100">
                 <a:solidFill>
                   <a:schemeClr val="accent1">
                     <a:lumMod val="75000"/>
                   </a:schemeClr>
                 </a:solidFill>
-                <a:latin typeface="Times New Roman" panose="02020603050405020304" pitchFamily="18" charset="0"/>
-                <a:cs typeface="Times New Roman" panose="02020603050405020304" pitchFamily="18" charset="0"/>
+                <a:latin typeface="Times New Roman"/>
+                <a:ea typeface="等线"/>
+                <a:cs typeface="Times New Roman"/>
               </a:rPr>
               <a:t>&lt;String&gt;)</a:t>
             </a:r>
@@ -17881,163 +18221,146 @@
               <a:buChar char="Ø"/>
             </a:pPr>
             <a:r>
-              <a:rPr lang="en-US" altLang="zh-CN" sz="1800" dirty="0" err="1">
+              <a:rPr lang="en-US" altLang="zh-CN" sz="2100" err="1">
                 <a:solidFill>
                   <a:schemeClr val="accent1">
                     <a:lumMod val="75000"/>
                   </a:schemeClr>
                 </a:solidFill>
-                <a:latin typeface="Times New Roman" panose="02020603050405020304" pitchFamily="18" charset="0"/>
-                <a:cs typeface="Times New Roman" panose="02020603050405020304" pitchFamily="18" charset="0"/>
+                <a:latin typeface="Times New Roman"/>
+                <a:ea typeface="等线"/>
+                <a:cs typeface="Times New Roman"/>
               </a:rPr>
               <a:t>searchWords</a:t>
             </a:r>
             <a:r>
-              <a:rPr lang="en-US" altLang="zh-CN" sz="1800" dirty="0">
+              <a:rPr lang="en-US" altLang="zh-CN" sz="2100">
                 <a:solidFill>
                   <a:schemeClr val="accent1">
                     <a:lumMod val="75000"/>
                   </a:schemeClr>
                 </a:solidFill>
-                <a:latin typeface="Times New Roman" panose="02020603050405020304" pitchFamily="18" charset="0"/>
-                <a:cs typeface="Times New Roman" panose="02020603050405020304" pitchFamily="18" charset="0"/>
+                <a:latin typeface="Times New Roman"/>
+                <a:ea typeface="等线"/>
+                <a:cs typeface="Times New Roman"/>
               </a:rPr>
               <a:t>(</a:t>
             </a:r>
             <a:r>
-              <a:rPr lang="en-US" altLang="zh-CN" sz="1800" dirty="0" err="1">
+              <a:rPr lang="en-US" altLang="zh-CN" sz="2100" err="1">
                 <a:solidFill>
                   <a:schemeClr val="accent1">
                     <a:lumMod val="75000"/>
                   </a:schemeClr>
                 </a:solidFill>
-                <a:latin typeface="Times New Roman" panose="02020603050405020304" pitchFamily="18" charset="0"/>
-                <a:cs typeface="Times New Roman" panose="02020603050405020304" pitchFamily="18" charset="0"/>
+                <a:latin typeface="Times New Roman"/>
+                <a:ea typeface="等线"/>
+                <a:cs typeface="Times New Roman"/>
               </a:rPr>
               <a:t>AVLTree</a:t>
             </a:r>
             <a:r>
-              <a:rPr lang="en-US" altLang="zh-CN" sz="1800" dirty="0">
+              <a:rPr lang="en-US" altLang="zh-CN" sz="2100">
                 <a:solidFill>
                   <a:schemeClr val="accent1">
                     <a:lumMod val="75000"/>
                   </a:schemeClr>
                 </a:solidFill>
-                <a:latin typeface="Times New Roman" panose="02020603050405020304" pitchFamily="18" charset="0"/>
-                <a:cs typeface="Times New Roman" panose="02020603050405020304" pitchFamily="18" charset="0"/>
+                <a:latin typeface="Times New Roman"/>
+                <a:ea typeface="等线"/>
+                <a:cs typeface="Times New Roman"/>
               </a:rPr>
               <a:t>&lt;String&gt;,String)</a:t>
             </a:r>
           </a:p>
           <a:p>
-            <a:pPr marL="0" indent="0">
-              <a:buNone/>
-            </a:pPr>
-            <a:endParaRPr lang="en-US" altLang="zh-CN" sz="1800" dirty="0">
+            <a:endParaRPr lang="en-US" altLang="zh-CN" sz="1800">
               <a:solidFill>
-                <a:srgbClr val="000000"/>
+                <a:srgbClr val="2F5597"/>
               </a:solidFill>
               <a:latin typeface="Times New Roman" panose="02020603050405020304" pitchFamily="18" charset="0"/>
+              <a:ea typeface="等线"/>
               <a:cs typeface="Times New Roman" panose="02020603050405020304" pitchFamily="18" charset="0"/>
             </a:endParaRPr>
           </a:p>
-          <a:p>
-            <a:r>
-              <a:rPr lang="en-US" altLang="zh-CN" dirty="0"/>
-              <a:t>Map</a:t>
-            </a:r>
-          </a:p>
-          <a:p>
-            <a:pPr>
-              <a:buFont typeface="Wingdings" panose="05000000000000000000" pitchFamily="2" charset="2"/>
-              <a:buChar char="Ø"/>
-            </a:pPr>
-            <a:r>
-              <a:rPr lang="en-US" altLang="zh-CN" sz="1800" dirty="0" err="1">
-                <a:solidFill>
-                  <a:schemeClr val="accent1">
-                    <a:lumMod val="75000"/>
-                  </a:schemeClr>
-                </a:solidFill>
-                <a:latin typeface="Times New Roman" panose="02020603050405020304" pitchFamily="18" charset="0"/>
-                <a:cs typeface="Times New Roman" panose="02020603050405020304" pitchFamily="18" charset="0"/>
+        </p:txBody>
+      </p:sp>
+      <p:pic>
+        <p:nvPicPr>
+          <p:cNvPr id="4" name="图片 4" descr="图形用户界面, 文本, 应用程序&#10;&#10;已自动生成说明">
+            <a:extLst>
+              <a:ext uri="{FF2B5EF4-FFF2-40B4-BE49-F238E27FC236}">
+                <a16:creationId xmlns:a16="http://schemas.microsoft.com/office/drawing/2014/main" id="{1D66456D-03BB-4EB8-9115-A96419812260}"/>
+              </a:ext>
+            </a:extLst>
+          </p:cNvPr>
+          <p:cNvPicPr>
+            <a:picLocks noChangeAspect="1"/>
+          </p:cNvPicPr>
+          <p:nvPr/>
+        </p:nvPicPr>
+        <p:blipFill>
+          <a:blip r:embed="rId2"/>
+          <a:stretch>
+            <a:fillRect/>
+          </a:stretch>
+        </p:blipFill>
+        <p:spPr>
+          <a:xfrm>
+            <a:off x="6423286" y="2839593"/>
+            <a:ext cx="4254708" cy="3452323"/>
+          </a:xfrm>
+          <a:prstGeom prst="rect">
+            <a:avLst/>
+          </a:prstGeom>
+        </p:spPr>
+      </p:pic>
+      <p:sp>
+        <p:nvSpPr>
+          <p:cNvPr id="5" name="文本框 4">
+            <a:extLst>
+              <a:ext uri="{FF2B5EF4-FFF2-40B4-BE49-F238E27FC236}">
+                <a16:creationId xmlns:a16="http://schemas.microsoft.com/office/drawing/2014/main" id="{918B55B0-C656-44F0-924A-CB7103D243E6}"/>
+              </a:ext>
+            </a:extLst>
+          </p:cNvPr>
+          <p:cNvSpPr txBox="1"/>
+          <p:nvPr/>
+        </p:nvSpPr>
+        <p:spPr>
+          <a:xfrm>
+            <a:off x="6710597" y="6373318"/>
+            <a:ext cx="3680085" cy="646331"/>
+          </a:xfrm>
+          <a:prstGeom prst="rect">
+            <a:avLst/>
+          </a:prstGeom>
+          <a:noFill/>
+        </p:spPr>
+        <p:txBody>
+          <a:bodyPr rot="0" spcFirstLastPara="0" vertOverflow="overflow" horzOverflow="overflow" vert="horz" wrap="square" lIns="91440" tIns="45720" rIns="91440" bIns="45720" numCol="1" spcCol="0" rtlCol="0" fromWordArt="0" anchor="t" anchorCtr="0" forceAA="0" compatLnSpc="1">
+            <a:prstTxWarp prst="textNoShape">
+              <a:avLst/>
+            </a:prstTxWarp>
+            <a:spAutoFit/>
+          </a:bodyPr>
+          <a:lstStyle/>
+          <a:p>
+            <a:r>
+              <a:rPr lang="zh-CN">
+                <a:ea typeface="等线"/>
               </a:rPr>
-              <a:t>treeToSortedMap</a:t>
-            </a:r>
-            <a:r>
-              <a:rPr lang="en-US" altLang="zh-CN" sz="1800" dirty="0">
-                <a:solidFill>
-                  <a:schemeClr val="accent1">
-                    <a:lumMod val="75000"/>
-                  </a:schemeClr>
-                </a:solidFill>
-                <a:latin typeface="Times New Roman" panose="02020603050405020304" pitchFamily="18" charset="0"/>
-                <a:cs typeface="Times New Roman" panose="02020603050405020304" pitchFamily="18" charset="0"/>
-              </a:rPr>
-              <a:t>(String, </a:t>
-            </a:r>
-            <a:r>
-              <a:rPr lang="en-US" altLang="zh-CN" sz="1800" dirty="0" err="1">
-                <a:solidFill>
-                  <a:schemeClr val="accent1">
-                    <a:lumMod val="75000"/>
-                  </a:schemeClr>
-                </a:solidFill>
-                <a:latin typeface="Times New Roman" panose="02020603050405020304" pitchFamily="18" charset="0"/>
-                <a:cs typeface="Times New Roman" panose="02020603050405020304" pitchFamily="18" charset="0"/>
-              </a:rPr>
-              <a:t>AVLTree</a:t>
-            </a:r>
-            <a:r>
-              <a:rPr lang="en-US" altLang="zh-CN" sz="1800" dirty="0">
-                <a:solidFill>
-                  <a:schemeClr val="accent1">
-                    <a:lumMod val="75000"/>
-                  </a:schemeClr>
-                </a:solidFill>
-                <a:latin typeface="Times New Roman" panose="02020603050405020304" pitchFamily="18" charset="0"/>
-                <a:cs typeface="Times New Roman" panose="02020603050405020304" pitchFamily="18" charset="0"/>
-              </a:rPr>
-              <a:t>&lt;String&gt;)</a:t>
-            </a:r>
-          </a:p>
-          <a:p>
-            <a:pPr>
-              <a:buFont typeface="Wingdings" panose="05000000000000000000" pitchFamily="2" charset="2"/>
-              <a:buChar char="Ø"/>
-            </a:pPr>
-            <a:r>
-              <a:rPr lang="en-US" altLang="zh-CN" sz="1800" dirty="0" err="1">
-                <a:solidFill>
-                  <a:schemeClr val="accent1">
-                    <a:lumMod val="75000"/>
-                  </a:schemeClr>
-                </a:solidFill>
-                <a:latin typeface="Times New Roman" panose="02020603050405020304" pitchFamily="18" charset="0"/>
-                <a:cs typeface="Times New Roman" panose="02020603050405020304" pitchFamily="18" charset="0"/>
-              </a:rPr>
-              <a:t>printMapContent</a:t>
-            </a:r>
-            <a:r>
-              <a:rPr lang="en-US" altLang="zh-CN" sz="1800" dirty="0">
-                <a:solidFill>
-                  <a:schemeClr val="accent1">
-                    <a:lumMod val="75000"/>
-                  </a:schemeClr>
-                </a:solidFill>
-                <a:latin typeface="Times New Roman" panose="02020603050405020304" pitchFamily="18" charset="0"/>
-                <a:cs typeface="Times New Roman" panose="02020603050405020304" pitchFamily="18" charset="0"/>
-              </a:rPr>
-              <a:t>(Map&lt;String, Integer&gt;, Integer)</a:t>
-            </a:r>
-            <a:endParaRPr lang="zh-CN" altLang="en-US" sz="1800" dirty="0">
-              <a:solidFill>
-                <a:schemeClr val="accent1">
-                  <a:lumMod val="75000"/>
-                </a:schemeClr>
-              </a:solidFill>
-              <a:latin typeface="Times New Roman" panose="02020603050405020304" pitchFamily="18" charset="0"/>
-              <a:cs typeface="Times New Roman" panose="02020603050405020304" pitchFamily="18" charset="0"/>
+              <a:t>Fig.2 new functions in AVLTree.java</a:t>
+            </a:r>
+            <a:endParaRPr lang="zh-CN">
+              <a:ea typeface="+mn-lt"/>
+              <a:cs typeface="+mn-lt"/>
+            </a:endParaRPr>
+          </a:p>
+          <a:p>
+            <a:pPr algn="l"/>
+            <a:endParaRPr lang="zh-CN" altLang="en-US">
+              <a:ea typeface="等线"/>
             </a:endParaRPr>
           </a:p>
         </p:txBody>
@@ -18102,7 +18425,7 @@
           <a:lstStyle/>
           <a:p>
             <a:r>
-              <a:rPr lang="en-CA" dirty="0"/>
+              <a:rPr lang="en-CA"/>
               <a:t>Part 4</a:t>
             </a:r>
           </a:p>
@@ -18130,11 +18453,11 @@
           <a:lstStyle/>
           <a:p>
             <a:r>
-              <a:rPr lang="en-CA" dirty="0" err="1"/>
+              <a:rPr lang="en-CA" err="1"/>
               <a:t>Ruoqi</a:t>
             </a:r>
             <a:r>
-              <a:rPr lang="en-CA" dirty="0"/>
+              <a:rPr lang="en-CA"/>
               <a:t> Shan</a:t>
             </a:r>
           </a:p>
@@ -18192,10 +18515,10 @@
           <a:p>
             <a:pPr algn="ctr"/>
             <a:r>
-              <a:rPr lang="en-US" altLang="zh-CN" dirty="0"/>
+              <a:rPr lang="en-US" altLang="zh-CN"/>
               <a:t>Search</a:t>
             </a:r>
-            <a:endParaRPr lang="zh-CN" altLang="en-US" dirty="0"/>
+            <a:endParaRPr lang="zh-CN" altLang="en-US"/>
           </a:p>
         </p:txBody>
       </p:sp>
@@ -18245,7 +18568,7 @@
               </a:lnSpc>
             </a:pPr>
             <a:r>
-              <a:rPr lang="en-US" altLang="zh-CN" sz="3200" dirty="0"/>
+              <a:rPr lang="en-US" altLang="zh-CN" sz="3200"/>
               <a:t>A single word</a:t>
             </a:r>
           </a:p>
@@ -18258,7 +18581,7 @@
               <a:buChar char="•"/>
             </a:pPr>
             <a:r>
-              <a:rPr lang="en-US" altLang="zh-CN" sz="2000" dirty="0"/>
+              <a:rPr lang="en-US" altLang="zh-CN" sz="2000"/>
               <a:t> Sorted by occurrences</a:t>
             </a:r>
           </a:p>
@@ -18271,7 +18594,7 @@
               <a:buChar char="•"/>
             </a:pPr>
             <a:r>
-              <a:rPr lang="en-US" altLang="zh-CN" sz="2000" dirty="0"/>
+              <a:rPr lang="en-US" altLang="zh-CN" sz="2000"/>
               <a:t> Show URLs by decreasing order</a:t>
             </a:r>
           </a:p>
@@ -18284,7 +18607,7 @@
               <a:buChar char="•"/>
             </a:pPr>
             <a:r>
-              <a:rPr lang="en-US" altLang="zh-CN" sz="2000" dirty="0"/>
+              <a:rPr lang="en-US" altLang="zh-CN" sz="2000"/>
               <a:t> Show brief contents that contain</a:t>
             </a:r>
           </a:p>
@@ -18295,7 +18618,7 @@
               </a:lnSpc>
             </a:pPr>
             <a:r>
-              <a:rPr lang="en-US" altLang="zh-CN" sz="2000" dirty="0"/>
+              <a:rPr lang="en-US" altLang="zh-CN" sz="2000"/>
               <a:t>   the word</a:t>
             </a:r>
           </a:p>
@@ -18305,7 +18628,7 @@
                 <a:spcPct val="150000"/>
               </a:lnSpc>
             </a:pPr>
-            <a:endParaRPr lang="en-US" altLang="zh-CN" sz="2000" dirty="0"/>
+            <a:endParaRPr lang="en-US" altLang="zh-CN" sz="2000"/>
           </a:p>
           <a:p>
             <a:pPr>
@@ -18313,7 +18636,7 @@
                 <a:spcPct val="150000"/>
               </a:lnSpc>
             </a:pPr>
-            <a:endParaRPr lang="en-US" altLang="zh-CN" sz="2000" dirty="0"/>
+            <a:endParaRPr lang="en-US" altLang="zh-CN" sz="2000"/>
           </a:p>
           <a:p>
             <a:pPr>
@@ -18321,7 +18644,7 @@
                 <a:spcPct val="150000"/>
               </a:lnSpc>
             </a:pPr>
-            <a:endParaRPr lang="en-US" altLang="zh-CN" sz="2000" dirty="0"/>
+            <a:endParaRPr lang="en-US" altLang="zh-CN" sz="2000"/>
           </a:p>
           <a:p>
             <a:pPr>
@@ -18329,7 +18652,7 @@
                 <a:spcPct val="150000"/>
               </a:lnSpc>
             </a:pPr>
-            <a:endParaRPr lang="en-US" altLang="zh-CN" sz="2000" dirty="0"/>
+            <a:endParaRPr lang="en-US" altLang="zh-CN" sz="2000"/>
           </a:p>
           <a:p>
             <a:pPr>
@@ -18337,7 +18660,7 @@
                 <a:spcPct val="150000"/>
               </a:lnSpc>
             </a:pPr>
-            <a:endParaRPr lang="en-US" altLang="zh-CN" sz="2000" dirty="0"/>
+            <a:endParaRPr lang="en-US" altLang="zh-CN" sz="2000"/>
           </a:p>
         </p:txBody>
       </p:sp>
@@ -18387,7 +18710,7 @@
               </a:lnSpc>
             </a:pPr>
             <a:r>
-              <a:rPr lang="en-US" altLang="zh-CN" sz="3200" dirty="0"/>
+              <a:rPr lang="en-US" altLang="zh-CN" sz="3200"/>
               <a:t>Several words</a:t>
             </a:r>
           </a:p>
@@ -18397,10 +18720,10 @@
               <a:buChar char="•"/>
             </a:pPr>
             <a:r>
-              <a:rPr lang="en-US" altLang="zh-CN" sz="2000" dirty="0"/>
+              <a:rPr lang="en-US" altLang="zh-CN" sz="2000"/>
               <a:t> Search for number of all words</a:t>
             </a:r>
-            <a:endParaRPr lang="zh-CN" altLang="en-US" sz="2000" dirty="0"/>
+            <a:endParaRPr lang="zh-CN" altLang="en-US" sz="2000"/>
           </a:p>
           <a:p>
             <a:pPr>
@@ -18408,7 +18731,7 @@
               <a:buChar char="•"/>
             </a:pPr>
             <a:r>
-              <a:rPr lang="en-US" altLang="zh-CN" sz="2000" dirty="0"/>
+              <a:rPr lang="en-US" altLang="zh-CN" sz="2000"/>
               <a:t> Search for number-1  of all words</a:t>
             </a:r>
           </a:p>
@@ -18418,13 +18741,13 @@
               <a:buChar char="•"/>
             </a:pPr>
             <a:r>
-              <a:rPr lang="en-US" altLang="zh-CN" sz="2000" dirty="0"/>
+              <a:rPr lang="en-US" altLang="zh-CN" sz="2000"/>
               <a:t> Search for number-2  of all words</a:t>
             </a:r>
           </a:p>
           <a:p>
             <a:r>
-              <a:rPr lang="en-US" altLang="zh-CN" sz="2000" dirty="0"/>
+              <a:rPr lang="en-US" altLang="zh-CN" sz="2000"/>
               <a:t>…</a:t>
             </a:r>
           </a:p>
@@ -18434,12 +18757,12 @@
               <a:buChar char="•"/>
             </a:pPr>
             <a:r>
-              <a:rPr lang="en-US" altLang="zh-CN" sz="2000" dirty="0"/>
+              <a:rPr lang="en-US" altLang="zh-CN" sz="2000"/>
               <a:t> Search for one single word from all words</a:t>
             </a:r>
           </a:p>
           <a:p>
-            <a:endParaRPr lang="en-US" altLang="zh-CN" sz="500" dirty="0"/>
+            <a:endParaRPr lang="en-US" altLang="zh-CN" sz="500"/>
           </a:p>
           <a:p>
             <a:pPr>
@@ -18447,7 +18770,7 @@
               <a:buChar char="•"/>
             </a:pPr>
             <a:r>
-              <a:rPr lang="en-US" altLang="zh-CN" sz="2000" dirty="0"/>
+              <a:rPr lang="en-US" altLang="zh-CN" sz="2000"/>
               <a:t> Sorted by occurrences</a:t>
             </a:r>
           </a:p>
@@ -18457,13 +18780,13 @@
               <a:buChar char="•"/>
             </a:pPr>
             <a:r>
-              <a:rPr lang="en-US" altLang="zh-CN" sz="2000" dirty="0"/>
+              <a:rPr lang="en-US" altLang="zh-CN" sz="2000"/>
               <a:t> Show URLs and brief contents by</a:t>
             </a:r>
           </a:p>
           <a:p>
             <a:r>
-              <a:rPr lang="en-US" altLang="zh-CN" sz="2000" dirty="0"/>
+              <a:rPr lang="en-US" altLang="zh-CN" sz="2000"/>
               <a:t>   decreasing order</a:t>
             </a:r>
           </a:p>
@@ -18545,22 +18868,17 @@
             <p:ph type="title"/>
           </p:nvPr>
         </p:nvSpPr>
-        <p:spPr>
-          <a:xfrm>
-            <a:off x="1981200" y="269776"/>
-            <a:ext cx="8229600" cy="1143000"/>
-          </a:xfrm>
-        </p:spPr>
+        <p:spPr/>
         <p:txBody>
           <a:bodyPr/>
           <a:lstStyle/>
           <a:p>
             <a:pPr algn="ctr"/>
             <a:r>
-              <a:rPr lang="en-US" altLang="zh-CN" dirty="0"/>
+              <a:rPr lang="en-US" altLang="zh-CN"/>
               <a:t>Search</a:t>
             </a:r>
-            <a:endParaRPr lang="zh-CN" altLang="en-US" dirty="0"/>
+            <a:endParaRPr lang="zh-CN" altLang="en-US"/>
           </a:p>
         </p:txBody>
       </p:sp>
@@ -18571,17 +18889,12 @@
             <a:spLocks noGrp="1"/>
           </p:cNvSpPr>
           <p:nvPr>
-            <p:ph idx="1"/>
+            <p:ph sz="half" idx="1"/>
           </p:nvPr>
         </p:nvSpPr>
-        <p:spPr>
-          <a:xfrm>
-            <a:off x="1991544" y="1412776"/>
-            <a:ext cx="8229600" cy="5328592"/>
-          </a:xfrm>
-        </p:spPr>
+        <p:spPr/>
         <p:txBody>
-          <a:bodyPr>
+          <a:bodyPr vert="horz" lIns="91440" tIns="45720" rIns="91440" bIns="45720" rtlCol="0" anchor="t">
             <a:normAutofit/>
           </a:bodyPr>
           <a:lstStyle/>
@@ -18590,85 +18903,157 @@
               <a:buNone/>
             </a:pPr>
             <a:r>
-              <a:rPr lang="en-US" altLang="zh-CN" dirty="0"/>
+              <a:rPr lang="en-US" altLang="zh-CN">
+                <a:ea typeface="宋体"/>
+              </a:rPr>
               <a:t>Search several words</a:t>
             </a:r>
           </a:p>
           <a:p>
             <a:r>
-              <a:rPr lang="en-US" altLang="zh-CN" dirty="0"/>
+              <a:rPr lang="en-US" altLang="zh-CN">
+                <a:ea typeface="宋体"/>
+              </a:rPr>
               <a:t>String matching</a:t>
             </a:r>
           </a:p>
           <a:p>
             <a:r>
-              <a:rPr lang="en-US" altLang="zh-CN" dirty="0"/>
+              <a:rPr lang="en-US" altLang="zh-CN">
+                <a:ea typeface="宋体"/>
+              </a:rPr>
               <a:t>Regular expression</a:t>
             </a:r>
           </a:p>
           <a:p>
-            <a:endParaRPr lang="en-US" altLang="zh-CN" dirty="0"/>
+            <a:pPr marL="0" indent="0">
+              <a:buNone/>
+            </a:pPr>
+            <a:endParaRPr lang="en-US"/>
+          </a:p>
+          <a:p>
+            <a:pPr marL="0" indent="0">
+              <a:buNone/>
+            </a:pPr>
+            <a:r>
+              <a:rPr lang="en-US"/>
+              <a:t>Search a single word</a:t>
+            </a:r>
+            <a:endParaRPr lang="en-US">
+              <a:ea typeface="+mn-lt"/>
+              <a:cs typeface="+mn-lt"/>
+            </a:endParaRPr>
+          </a:p>
+          <a:p>
+            <a:r>
+              <a:rPr lang="en-US"/>
+              <a:t>Team member’s dictionary</a:t>
+            </a:r>
           </a:p>
           <a:p>
             <a:pPr>
               <a:buNone/>
             </a:pPr>
-            <a:r>
-              <a:rPr lang="en-US" altLang="zh-CN" dirty="0"/>
-              <a:t>Search a single word</a:t>
-            </a:r>
-          </a:p>
-          <a:p>
-            <a:r>
-              <a:rPr lang="en-US" altLang="zh-CN" dirty="0"/>
-              <a:t>Team member’s dictionary</a:t>
-            </a:r>
-          </a:p>
-          <a:p>
-            <a:endParaRPr lang="en-US" altLang="zh-CN" dirty="0"/>
+            <a:endParaRPr lang="en-US" altLang="zh-CN">
+              <a:ea typeface="宋体"/>
+            </a:endParaRPr>
           </a:p>
           <a:p>
             <a:pPr>
               <a:buNone/>
             </a:pPr>
-            <a:r>
-              <a:rPr lang="en-US" altLang="zh-CN" dirty="0"/>
+            <a:endParaRPr lang="zh-CN" altLang="en-US"/>
+          </a:p>
+        </p:txBody>
+      </p:sp>
+      <p:sp>
+        <p:nvSpPr>
+          <p:cNvPr id="2" name="内容占位符 1">
+            <a:extLst>
+              <a:ext uri="{FF2B5EF4-FFF2-40B4-BE49-F238E27FC236}">
+                <a16:creationId xmlns:a16="http://schemas.microsoft.com/office/drawing/2014/main" id="{9B0CD272-767C-4324-8FC8-3A51FE11A20A}"/>
+              </a:ext>
+            </a:extLst>
+          </p:cNvPr>
+          <p:cNvSpPr>
+            <a:spLocks noGrp="1"/>
+          </p:cNvSpPr>
+          <p:nvPr>
+            <p:ph sz="half" idx="2"/>
+          </p:nvPr>
+        </p:nvSpPr>
+        <p:spPr/>
+        <p:txBody>
+          <a:bodyPr vert="horz" lIns="91440" tIns="45720" rIns="91440" bIns="45720" rtlCol="0" anchor="t">
+            <a:normAutofit/>
+          </a:bodyPr>
+          <a:lstStyle/>
+          <a:p>
+            <a:pPr marL="0" indent="0">
+              <a:buNone/>
+            </a:pPr>
+            <a:r>
+              <a:rPr lang="en-US" altLang="zh-CN">
+                <a:ea typeface="+mn-lt"/>
+                <a:cs typeface="+mn-lt"/>
+              </a:rPr>
               <a:t>Rank webs</a:t>
             </a:r>
-          </a:p>
-          <a:p>
-            <a:r>
-              <a:rPr lang="en-US" altLang="zh-CN" dirty="0"/>
-              <a:t>dual-pivot </a:t>
-            </a:r>
-            <a:r>
-              <a:rPr lang="en-US" altLang="zh-CN" dirty="0" err="1"/>
-              <a:t>Quicksort</a:t>
-            </a:r>
-            <a:endParaRPr lang="en-US" altLang="zh-CN" dirty="0"/>
-          </a:p>
-          <a:p>
-            <a:endParaRPr lang="en-US" altLang="zh-CN" dirty="0"/>
-          </a:p>
-          <a:p>
-            <a:pPr>
+            <a:endParaRPr lang="zh-CN" altLang="en-US">
+              <a:ea typeface="宋体"/>
+            </a:endParaRPr>
+          </a:p>
+          <a:p>
+            <a:r>
+              <a:rPr lang="en-US" altLang="zh-CN">
+                <a:ea typeface="+mn-lt"/>
+                <a:cs typeface="+mn-lt"/>
+              </a:rPr>
+              <a:t>dual-pivot Quicksort</a:t>
+            </a:r>
+          </a:p>
+          <a:p>
+            <a:endParaRPr lang="en-US" altLang="zh-CN">
+              <a:ea typeface="+mn-lt"/>
+              <a:cs typeface="+mn-lt"/>
+            </a:endParaRPr>
+          </a:p>
+          <a:p>
+            <a:pPr marL="0" indent="0">
               <a:buNone/>
             </a:pPr>
             <a:r>
-              <a:rPr lang="en-US" altLang="zh-CN" dirty="0"/>
+              <a:rPr lang="en-US" altLang="zh-CN">
+                <a:ea typeface="+mn-lt"/>
+                <a:cs typeface="+mn-lt"/>
+              </a:rPr>
               <a:t>Store and Get data</a:t>
             </a:r>
           </a:p>
           <a:p>
             <a:r>
-              <a:rPr lang="en-US" altLang="zh-CN" dirty="0" err="1"/>
+              <a:rPr lang="en-US" altLang="zh-CN" err="1">
+                <a:ea typeface="+mn-lt"/>
+                <a:cs typeface="+mn-lt"/>
+              </a:rPr>
               <a:t>Hashmap</a:t>
             </a:r>
             <a:r>
-              <a:rPr lang="en-US" altLang="zh-CN" dirty="0"/>
-              <a:t> and Tree</a:t>
-            </a:r>
-            <a:endParaRPr lang="zh-CN" altLang="en-US" dirty="0"/>
+              <a:rPr lang="en-US" altLang="zh-CN">
+                <a:ea typeface="+mn-lt"/>
+                <a:cs typeface="+mn-lt"/>
+              </a:rPr>
+              <a:t> and Tree</a:t>
+            </a:r>
+            <a:endParaRPr lang="zh-CN">
+              <a:ea typeface="+mn-lt"/>
+              <a:cs typeface="+mn-lt"/>
+            </a:endParaRPr>
+          </a:p>
+          <a:p>
+            <a:endParaRPr lang="zh-CN" altLang="en-US">
+              <a:ea typeface="宋体"/>
+            </a:endParaRPr>
           </a:p>
         </p:txBody>
       </p:sp>
@@ -18740,7 +19125,7 @@
           <a:p>
             <a:pPr algn="ctr"/>
             <a:r>
-              <a:rPr lang="en-CA" sz="3600" b="1" dirty="0">
+              <a:rPr lang="en-CA" sz="3600" b="1">
                 <a:latin typeface="Times New Roman" panose="02020603050405020304" pitchFamily="18" charset="0"/>
                 <a:cs typeface="Times New Roman" panose="02020603050405020304" pitchFamily="18" charset="0"/>
               </a:rPr>
@@ -18782,15 +19167,15 @@
               <a:buAutoNum type="arabicPeriod"/>
             </a:pPr>
             <a:r>
-              <a:rPr lang="en-CA" dirty="0"/>
+              <a:rPr lang="en-CA"/>
               <a:t>R. Sedgewick, K. Wayne, Algorithms 4</a:t>
             </a:r>
             <a:r>
-              <a:rPr lang="en-CA" baseline="30000" dirty="0"/>
+              <a:rPr lang="en-CA" baseline="30000"/>
               <a:t>th</a:t>
             </a:r>
             <a:r>
-              <a:rPr lang="en-CA" dirty="0"/>
+              <a:rPr lang="en-CA"/>
               <a:t> edition, Beijing: Post and Telecom press (In Chinese), 2012.</a:t>
             </a:r>
           </a:p>
@@ -18800,7 +19185,7 @@
               <a:buAutoNum type="arabicPeriod"/>
             </a:pPr>
             <a:r>
-              <a:rPr lang="en-CA" dirty="0"/>
+              <a:rPr lang="en-CA"/>
               <a:t>H. B. Mishra, Autocomplete Feature using Ternary Search Tree. https://iq.opengenus.org/autocomplete-with-ternary-search-tree/</a:t>
             </a:r>
           </a:p>
@@ -18868,7 +19253,7 @@
           <a:lstStyle/>
           <a:p>
             <a:r>
-              <a:rPr lang="en-CA" dirty="0"/>
+              <a:rPr lang="en-CA"/>
               <a:t>Part 1</a:t>
             </a:r>
           </a:p>
@@ -18896,7 +19281,7 @@
           <a:lstStyle/>
           <a:p>
             <a:r>
-              <a:rPr lang="en-CA" dirty="0"/>
+              <a:rPr lang="en-CA"/>
               <a:t>Xiongjin Yue</a:t>
             </a:r>
           </a:p>
@@ -20048,7 +20433,7 @@
               </a:spcBef>
             </a:pPr>
             <a:r>
-              <a:rPr lang="en-US" altLang="zh-CN" sz="1333" b="1" dirty="0">
+              <a:rPr lang="en-US" altLang="zh-CN" sz="1333" b="1">
                 <a:solidFill>
                   <a:schemeClr val="tx1">
                     <a:lumMod val="75000"/>
@@ -20059,7 +20444,7 @@
               <a:t>Crawling</a:t>
             </a:r>
             <a:r>
-              <a:rPr lang="zh-CN" altLang="en-US" sz="1333" b="1" dirty="0">
+              <a:rPr lang="zh-CN" altLang="en-US" sz="1333" b="1">
                 <a:solidFill>
                   <a:schemeClr val="tx1">
                     <a:lumMod val="75000"/>
@@ -20070,7 +20455,7 @@
               <a:t> </a:t>
             </a:r>
             <a:r>
-              <a:rPr lang="en-US" altLang="zh-CN" sz="1333" b="1" dirty="0">
+              <a:rPr lang="en-US" altLang="zh-CN" sz="1333" b="1">
                 <a:solidFill>
                   <a:schemeClr val="tx1">
                     <a:lumMod val="75000"/>
@@ -20081,7 +20466,7 @@
               <a:t>HTML</a:t>
             </a:r>
             <a:r>
-              <a:rPr lang="zh-CN" altLang="en-US" sz="1333" b="1" dirty="0">
+              <a:rPr lang="zh-CN" altLang="en-US" sz="1333" b="1">
                 <a:solidFill>
                   <a:schemeClr val="tx1">
                     <a:lumMod val="75000"/>
@@ -20091,7 +20476,7 @@
               </a:rPr>
               <a:t> </a:t>
             </a:r>
-            <a:endParaRPr lang="en-US" altLang="zh-CN" sz="1333" b="1" dirty="0">
+            <a:endParaRPr lang="en-US" altLang="zh-CN" sz="1333" b="1">
               <a:solidFill>
                 <a:schemeClr val="tx1">
                   <a:lumMod val="75000"/>
@@ -20112,7 +20497,7 @@
               <a:buChar char="•"/>
             </a:pPr>
             <a:r>
-              <a:rPr lang="en-US" altLang="zh-CN" sz="1333" dirty="0">
+              <a:rPr lang="en-US" altLang="zh-CN" sz="1333">
                 <a:solidFill>
                   <a:schemeClr val="tx1">
                     <a:lumMod val="75000"/>
@@ -20135,7 +20520,7 @@
               <a:buChar char="•"/>
             </a:pPr>
             <a:r>
-              <a:rPr lang="en-US" altLang="zh-CN" sz="1333" dirty="0">
+              <a:rPr lang="en-US" altLang="zh-CN" sz="1333">
                 <a:solidFill>
                   <a:schemeClr val="tx1">
                     <a:lumMod val="75000"/>
@@ -20158,7 +20543,7 @@
               <a:buChar char="•"/>
             </a:pPr>
             <a:r>
-              <a:rPr lang="en-US" altLang="zh-CN" sz="1333" dirty="0">
+              <a:rPr lang="en-US" altLang="zh-CN" sz="1333">
                 <a:solidFill>
                   <a:schemeClr val="tx1">
                     <a:lumMod val="75000"/>
@@ -20178,7 +20563,7 @@
                 <a:spcPts val="400"/>
               </a:spcBef>
             </a:pPr>
-            <a:endParaRPr lang="zh-CN" altLang="en-US" sz="1333" dirty="0">
+            <a:endParaRPr lang="zh-CN" altLang="en-US" sz="1333">
               <a:solidFill>
                 <a:schemeClr val="tx1">
                   <a:lumMod val="75000"/>
@@ -20232,10 +20617,10 @@
           <a:p>
             <a:pPr algn="ctr"/>
             <a:r>
-              <a:rPr lang="en-US" altLang="zh-CN" sz="2400" dirty="0"/>
+              <a:rPr lang="en-US" altLang="zh-CN" sz="2400"/>
               <a:t>01</a:t>
             </a:r>
-            <a:endParaRPr lang="zh-CN" altLang="en-US" sz="2400" dirty="0"/>
+            <a:endParaRPr lang="zh-CN" altLang="en-US" sz="2400"/>
           </a:p>
         </p:txBody>
       </p:sp>
@@ -20294,7 +20679,7 @@
               </a:spcBef>
             </a:pPr>
             <a:r>
-              <a:rPr lang="en-US" altLang="zh-CN" sz="1333" b="1" dirty="0">
+              <a:rPr lang="en-US" altLang="zh-CN" sz="1333" b="1">
                 <a:solidFill>
                   <a:schemeClr val="tx1">
                     <a:lumMod val="75000"/>
@@ -20305,7 +20690,7 @@
               <a:t>Convert</a:t>
             </a:r>
             <a:r>
-              <a:rPr lang="zh-CN" altLang="en-US" sz="1333" b="1" dirty="0">
+              <a:rPr lang="zh-CN" altLang="en-US" sz="1333" b="1">
                 <a:solidFill>
                   <a:schemeClr val="tx1">
                     <a:lumMod val="75000"/>
@@ -20316,7 +20701,7 @@
               <a:t> </a:t>
             </a:r>
             <a:r>
-              <a:rPr lang="en-US" altLang="zh-CN" sz="1333" b="1" dirty="0">
+              <a:rPr lang="en-US" altLang="zh-CN" sz="1333" b="1">
                 <a:solidFill>
                   <a:schemeClr val="tx1">
                     <a:lumMod val="75000"/>
@@ -20327,7 +20712,7 @@
               <a:t>HTML</a:t>
             </a:r>
             <a:r>
-              <a:rPr lang="zh-CN" altLang="en-US" sz="1333" b="1" dirty="0">
+              <a:rPr lang="zh-CN" altLang="en-US" sz="1333" b="1">
                 <a:solidFill>
                   <a:schemeClr val="tx1">
                     <a:lumMod val="75000"/>
@@ -20338,7 +20723,7 @@
               <a:t> </a:t>
             </a:r>
             <a:r>
-              <a:rPr lang="en-US" altLang="zh-CN" sz="1333" b="1" dirty="0">
+              <a:rPr lang="en-US" altLang="zh-CN" sz="1333" b="1">
                 <a:solidFill>
                   <a:schemeClr val="tx1">
                     <a:lumMod val="75000"/>
@@ -20361,7 +20746,7 @@
               <a:buChar char="•"/>
             </a:pPr>
             <a:r>
-              <a:rPr lang="en-US" altLang="zh-CN" sz="1333" dirty="0">
+              <a:rPr lang="en-US" altLang="zh-CN" sz="1333">
                 <a:solidFill>
                   <a:schemeClr val="tx1">
                     <a:lumMod val="75000"/>
@@ -20384,7 +20769,7 @@
               <a:buChar char="•"/>
             </a:pPr>
             <a:r>
-              <a:rPr lang="en-US" altLang="zh-CN" sz="1333" dirty="0">
+              <a:rPr lang="en-US" altLang="zh-CN" sz="1333">
                 <a:solidFill>
                   <a:schemeClr val="tx1">
                     <a:lumMod val="75000"/>
@@ -20394,7 +20779,7 @@
               </a:rPr>
               <a:t>Create new txt files</a:t>
             </a:r>
-            <a:endParaRPr lang="zh-CN" altLang="en-US" sz="1333" dirty="0">
+            <a:endParaRPr lang="zh-CN" altLang="en-US" sz="1333">
               <a:solidFill>
                 <a:schemeClr val="tx1">
                   <a:lumMod val="75000"/>
@@ -20448,10 +20833,10 @@
           <a:p>
             <a:pPr algn="ctr"/>
             <a:r>
-              <a:rPr lang="en-US" altLang="zh-CN" sz="2400" dirty="0"/>
+              <a:rPr lang="en-US" altLang="zh-CN" sz="2400"/>
               <a:t>02</a:t>
             </a:r>
-            <a:endParaRPr lang="zh-CN" altLang="en-US" sz="2400" dirty="0"/>
+            <a:endParaRPr lang="zh-CN" altLang="en-US" sz="2400"/>
           </a:p>
         </p:txBody>
       </p:sp>
@@ -20510,7 +20895,7 @@
               </a:spcBef>
             </a:pPr>
             <a:r>
-              <a:rPr lang="en-US" altLang="zh-CN" sz="1333" b="1" dirty="0">
+              <a:rPr lang="en-US" altLang="zh-CN" sz="1333" b="1">
                 <a:solidFill>
                   <a:schemeClr val="tx1">
                     <a:lumMod val="75000"/>
@@ -20521,7 +20906,7 @@
               <a:t>Search</a:t>
             </a:r>
             <a:r>
-              <a:rPr lang="zh-CN" altLang="en-US" sz="1333" b="1" dirty="0">
+              <a:rPr lang="zh-CN" altLang="en-US" sz="1333" b="1">
                 <a:solidFill>
                   <a:schemeClr val="tx1">
                     <a:lumMod val="75000"/>
@@ -20532,7 +20917,7 @@
               <a:t> </a:t>
             </a:r>
             <a:r>
-              <a:rPr lang="en-US" altLang="zh-CN" sz="1333" b="1" dirty="0">
+              <a:rPr lang="en-US" altLang="zh-CN" sz="1333" b="1">
                 <a:solidFill>
                   <a:schemeClr val="tx1">
                     <a:lumMod val="75000"/>
@@ -20555,7 +20940,7 @@
               <a:buChar char="•"/>
             </a:pPr>
             <a:r>
-              <a:rPr lang="en-US" altLang="zh-CN" sz="1333" dirty="0">
+              <a:rPr lang="en-US" altLang="zh-CN" sz="1333">
                 <a:solidFill>
                   <a:schemeClr val="tx1">
                     <a:lumMod val="75000"/>
@@ -20578,7 +20963,7 @@
               <a:buChar char="•"/>
             </a:pPr>
             <a:r>
-              <a:rPr lang="en-US" altLang="zh-CN" sz="1333" dirty="0">
+              <a:rPr lang="en-US" altLang="zh-CN" sz="1333">
                 <a:solidFill>
                   <a:schemeClr val="tx1">
                     <a:lumMod val="75000"/>
@@ -20588,7 +20973,7 @@
               </a:rPr>
               <a:t>Return the content of the line where the string is located</a:t>
             </a:r>
-            <a:endParaRPr lang="zh-CN" altLang="en-US" sz="1333" dirty="0">
+            <a:endParaRPr lang="zh-CN" altLang="en-US" sz="1333">
               <a:solidFill>
                 <a:schemeClr val="tx1">
                   <a:lumMod val="75000"/>
@@ -20642,10 +21027,10 @@
           <a:p>
             <a:pPr algn="ctr"/>
             <a:r>
-              <a:rPr lang="en-US" altLang="zh-CN" sz="2400" dirty="0"/>
+              <a:rPr lang="en-US" altLang="zh-CN" sz="2400"/>
               <a:t>03</a:t>
             </a:r>
-            <a:endParaRPr lang="zh-CN" altLang="en-US" sz="2400" dirty="0"/>
+            <a:endParaRPr lang="zh-CN" altLang="en-US" sz="2400"/>
           </a:p>
         </p:txBody>
       </p:sp>
@@ -20700,7 +21085,7 @@
               <a:buNone/>
             </a:pPr>
             <a:r>
-              <a:rPr lang="en-US" altLang="zh-CN" sz="2667" dirty="0">
+              <a:rPr lang="en-US" altLang="zh-CN" sz="2667">
                 <a:solidFill>
                   <a:schemeClr val="bg1">
                     <a:lumMod val="50000"/>
@@ -20712,7 +21097,7 @@
               <a:t>Features-</a:t>
             </a:r>
             <a:r>
-              <a:rPr lang="en-US" altLang="zh-CN" sz="2667" dirty="0" err="1">
+              <a:rPr lang="en-US" altLang="zh-CN" sz="2667" err="1">
                 <a:solidFill>
                   <a:schemeClr val="bg1">
                     <a:lumMod val="50000"/>
@@ -20723,7 +21108,7 @@
               </a:rPr>
               <a:t>WebSearch</a:t>
             </a:r>
-            <a:endParaRPr lang="en-US" altLang="zh-CN" sz="2667" dirty="0">
+            <a:endParaRPr lang="en-US" altLang="zh-CN" sz="2667">
               <a:solidFill>
                 <a:schemeClr val="accent1"/>
               </a:solidFill>
@@ -21011,7 +21396,7 @@
               <a:buNone/>
             </a:pPr>
             <a:r>
-              <a:rPr lang="en-US" altLang="zh-CN" sz="1067" dirty="0">
+              <a:rPr lang="en-US" altLang="zh-CN" sz="1067">
                 <a:solidFill>
                   <a:schemeClr val="bg1">
                     <a:lumMod val="50000"/>
@@ -21021,7 +21406,7 @@
               <a:t>We have many PowerPoint </a:t>
             </a:r>
             <a:r>
-              <a:rPr lang="zh-CN" altLang="en-US" sz="1067" dirty="0">
+              <a:rPr lang="zh-CN" altLang="en-US" sz="1067">
                 <a:solidFill>
                   <a:schemeClr val="bg1">
                     <a:lumMod val="50000"/>
@@ -21031,7 +21416,7 @@
               <a:t>templates</a:t>
             </a:r>
             <a:r>
-              <a:rPr lang="en-US" altLang="zh-CN" sz="1067" dirty="0">
+              <a:rPr lang="en-US" altLang="zh-CN" sz="1067">
                 <a:solidFill>
                   <a:schemeClr val="bg1">
                     <a:lumMod val="50000"/>
@@ -21041,7 +21426,7 @@
               <a:t> that has been specifically designed to help anyone that is stepping into the world of PowerPoint for the very first time. We have many PowerPoint </a:t>
             </a:r>
             <a:r>
-              <a:rPr lang="zh-CN" altLang="en-US" sz="1067" dirty="0">
+              <a:rPr lang="zh-CN" altLang="en-US" sz="1067">
                 <a:solidFill>
                   <a:schemeClr val="bg1">
                     <a:lumMod val="50000"/>
@@ -21051,7 +21436,7 @@
               <a:t>templates</a:t>
             </a:r>
             <a:r>
-              <a:rPr lang="en-US" altLang="zh-CN" sz="1067" dirty="0">
+              <a:rPr lang="en-US" altLang="zh-CN" sz="1067">
                 <a:solidFill>
                   <a:schemeClr val="bg1">
                     <a:lumMod val="50000"/>
@@ -21117,7 +21502,7 @@
               <a:buNone/>
             </a:pPr>
             <a:r>
-              <a:rPr lang="zh-CN" altLang="zh-CN" sz="1067" b="1" dirty="0">
+              <a:rPr lang="zh-CN" altLang="zh-CN" sz="1067" b="1">
                 <a:solidFill>
                   <a:schemeClr val="bg1">
                     <a:lumMod val="50000"/>
@@ -21127,7 +21512,7 @@
               <a:t>OPTION</a:t>
             </a:r>
             <a:r>
-              <a:rPr lang="en-US" altLang="zh-CN" sz="1067" b="1" dirty="0">
+              <a:rPr lang="en-US" altLang="zh-CN" sz="1067" b="1">
                 <a:solidFill>
                   <a:schemeClr val="bg1">
                     <a:lumMod val="50000"/>
@@ -21136,7 +21521,7 @@
               </a:rPr>
               <a:t> 01</a:t>
             </a:r>
-            <a:endParaRPr lang="zh-CN" altLang="zh-CN" sz="1067" b="1" dirty="0">
+            <a:endParaRPr lang="zh-CN" altLang="zh-CN" sz="1067" b="1">
               <a:solidFill>
                 <a:schemeClr val="bg1">
                   <a:lumMod val="50000"/>
@@ -21153,7 +21538,7 @@
               <a:buNone/>
             </a:pPr>
             <a:r>
-              <a:rPr lang="en-US" altLang="zh-CN" sz="1067" dirty="0">
+              <a:rPr lang="en-US" altLang="zh-CN" sz="1067">
                 <a:solidFill>
                   <a:schemeClr val="bg1">
                     <a:lumMod val="50000"/>
@@ -21163,7 +21548,7 @@
               <a:t>We have many PowerPoint </a:t>
             </a:r>
             <a:r>
-              <a:rPr lang="zh-CN" altLang="en-US" sz="1067" dirty="0">
+              <a:rPr lang="zh-CN" altLang="en-US" sz="1067">
                 <a:solidFill>
                   <a:schemeClr val="bg1">
                     <a:lumMod val="50000"/>
@@ -21173,7 +21558,7 @@
               <a:t>templates</a:t>
             </a:r>
             <a:r>
-              <a:rPr lang="en-US" altLang="zh-CN" sz="1067" dirty="0">
+              <a:rPr lang="en-US" altLang="zh-CN" sz="1067">
                 <a:solidFill>
                   <a:schemeClr val="bg1">
                     <a:lumMod val="50000"/>
@@ -21183,7 +21568,7 @@
               <a:t> that has been specifically designed</a:t>
             </a:r>
             <a:r>
-              <a:rPr lang="zh-CN" altLang="en-US" sz="1067" dirty="0">
+              <a:rPr lang="zh-CN" altLang="en-US" sz="1067">
                 <a:solidFill>
                   <a:schemeClr val="bg1">
                     <a:lumMod val="50000"/>
@@ -21192,7 +21577,7 @@
               </a:rPr>
               <a:t>.</a:t>
             </a:r>
-            <a:endParaRPr lang="en-US" altLang="zh-CN" sz="1067" dirty="0">
+            <a:endParaRPr lang="en-US" altLang="zh-CN" sz="1067">
               <a:solidFill>
                 <a:schemeClr val="bg1">
                   <a:lumMod val="50000"/>
@@ -21313,7 +21698,7 @@
               <a:buNone/>
             </a:pPr>
             <a:r>
-              <a:rPr lang="zh-CN" altLang="zh-CN" sz="1067" b="1" dirty="0">
+              <a:rPr lang="zh-CN" altLang="zh-CN" sz="1067" b="1">
                 <a:solidFill>
                   <a:schemeClr val="bg1">
                     <a:lumMod val="50000"/>
@@ -21323,7 +21708,7 @@
               <a:t>OPTION</a:t>
             </a:r>
             <a:r>
-              <a:rPr lang="en-US" altLang="zh-CN" sz="1067" b="1" dirty="0">
+              <a:rPr lang="en-US" altLang="zh-CN" sz="1067" b="1">
                 <a:solidFill>
                   <a:schemeClr val="bg1">
                     <a:lumMod val="50000"/>
@@ -21332,7 +21717,7 @@
               </a:rPr>
               <a:t> 02</a:t>
             </a:r>
-            <a:endParaRPr lang="zh-CN" altLang="zh-CN" sz="1067" b="1" dirty="0">
+            <a:endParaRPr lang="zh-CN" altLang="zh-CN" sz="1067" b="1">
               <a:solidFill>
                 <a:schemeClr val="bg1">
                   <a:lumMod val="50000"/>
@@ -21349,7 +21734,7 @@
               <a:buNone/>
             </a:pPr>
             <a:r>
-              <a:rPr lang="en-US" altLang="zh-CN" sz="1067" dirty="0">
+              <a:rPr lang="en-US" altLang="zh-CN" sz="1067">
                 <a:solidFill>
                   <a:schemeClr val="bg1">
                     <a:lumMod val="50000"/>
@@ -21359,7 +21744,7 @@
               <a:t>We have many PowerPoint </a:t>
             </a:r>
             <a:r>
-              <a:rPr lang="zh-CN" altLang="en-US" sz="1067" dirty="0">
+              <a:rPr lang="zh-CN" altLang="en-US" sz="1067">
                 <a:solidFill>
                   <a:schemeClr val="bg1">
                     <a:lumMod val="50000"/>
@@ -21369,7 +21754,7 @@
               <a:t>templates</a:t>
             </a:r>
             <a:r>
-              <a:rPr lang="en-US" altLang="zh-CN" sz="1067" dirty="0">
+              <a:rPr lang="en-US" altLang="zh-CN" sz="1067">
                 <a:solidFill>
                   <a:schemeClr val="bg1">
                     <a:lumMod val="50000"/>
@@ -21379,7 +21764,7 @@
               <a:t> that has been specifically designed</a:t>
             </a:r>
             <a:r>
-              <a:rPr lang="zh-CN" altLang="en-US" sz="1067" dirty="0">
+              <a:rPr lang="zh-CN" altLang="en-US" sz="1067">
                 <a:solidFill>
                   <a:schemeClr val="bg1">
                     <a:lumMod val="50000"/>
@@ -21388,7 +21773,7 @@
               </a:rPr>
               <a:t>.</a:t>
             </a:r>
-            <a:endParaRPr lang="en-US" altLang="zh-CN" sz="1067" dirty="0">
+            <a:endParaRPr lang="en-US" altLang="zh-CN" sz="1067">
               <a:solidFill>
                 <a:schemeClr val="bg1">
                   <a:lumMod val="50000"/>
@@ -21509,7 +21894,7 @@
               <a:buNone/>
             </a:pPr>
             <a:r>
-              <a:rPr lang="zh-CN" altLang="zh-CN" sz="1067" b="1" dirty="0">
+              <a:rPr lang="zh-CN" altLang="zh-CN" sz="1067" b="1">
                 <a:solidFill>
                   <a:schemeClr val="bg1">
                     <a:lumMod val="50000"/>
@@ -21519,7 +21904,7 @@
               <a:t>OPTION</a:t>
             </a:r>
             <a:r>
-              <a:rPr lang="en-US" altLang="zh-CN" sz="1067" b="1" dirty="0">
+              <a:rPr lang="en-US" altLang="zh-CN" sz="1067" b="1">
                 <a:solidFill>
                   <a:schemeClr val="bg1">
                     <a:lumMod val="50000"/>
@@ -21528,7 +21913,7 @@
               </a:rPr>
               <a:t> 03</a:t>
             </a:r>
-            <a:endParaRPr lang="zh-CN" altLang="zh-CN" sz="1067" b="1" dirty="0">
+            <a:endParaRPr lang="zh-CN" altLang="zh-CN" sz="1067" b="1">
               <a:solidFill>
                 <a:schemeClr val="bg1">
                   <a:lumMod val="50000"/>
@@ -21545,7 +21930,7 @@
               <a:buNone/>
             </a:pPr>
             <a:r>
-              <a:rPr lang="en-US" altLang="zh-CN" sz="1067" dirty="0">
+              <a:rPr lang="en-US" altLang="zh-CN" sz="1067">
                 <a:solidFill>
                   <a:schemeClr val="bg1">
                     <a:lumMod val="50000"/>
@@ -21555,7 +21940,7 @@
               <a:t>We have many PowerPoint </a:t>
             </a:r>
             <a:r>
-              <a:rPr lang="zh-CN" altLang="en-US" sz="1067" dirty="0">
+              <a:rPr lang="zh-CN" altLang="en-US" sz="1067">
                 <a:solidFill>
                   <a:schemeClr val="bg1">
                     <a:lumMod val="50000"/>
@@ -21565,7 +21950,7 @@
               <a:t>templates</a:t>
             </a:r>
             <a:r>
-              <a:rPr lang="en-US" altLang="zh-CN" sz="1067" dirty="0">
+              <a:rPr lang="en-US" altLang="zh-CN" sz="1067">
                 <a:solidFill>
                   <a:schemeClr val="bg1">
                     <a:lumMod val="50000"/>
@@ -21575,7 +21960,7 @@
               <a:t> that has been specifically designed</a:t>
             </a:r>
             <a:r>
-              <a:rPr lang="zh-CN" altLang="en-US" sz="1067" dirty="0">
+              <a:rPr lang="zh-CN" altLang="en-US" sz="1067">
                 <a:solidFill>
                   <a:schemeClr val="bg1">
                     <a:lumMod val="50000"/>
@@ -21584,7 +21969,7 @@
               </a:rPr>
               <a:t>.</a:t>
             </a:r>
-            <a:endParaRPr lang="en-US" altLang="zh-CN" sz="1067" dirty="0">
+            <a:endParaRPr lang="en-US" altLang="zh-CN" sz="1067">
               <a:solidFill>
                 <a:schemeClr val="bg1">
                   <a:lumMod val="50000"/>
@@ -21705,7 +22090,7 @@
               <a:buNone/>
             </a:pPr>
             <a:r>
-              <a:rPr lang="zh-CN" altLang="zh-CN" sz="1067" b="1" dirty="0">
+              <a:rPr lang="zh-CN" altLang="zh-CN" sz="1067" b="1">
                 <a:solidFill>
                   <a:schemeClr val="bg1">
                     <a:lumMod val="50000"/>
@@ -21715,7 +22100,7 @@
               <a:t>OPTION</a:t>
             </a:r>
             <a:r>
-              <a:rPr lang="en-US" altLang="zh-CN" sz="1067" b="1" dirty="0">
+              <a:rPr lang="en-US" altLang="zh-CN" sz="1067" b="1">
                 <a:solidFill>
                   <a:schemeClr val="bg1">
                     <a:lumMod val="50000"/>
@@ -21724,7 +22109,7 @@
               </a:rPr>
               <a:t> 04</a:t>
             </a:r>
-            <a:endParaRPr lang="zh-CN" altLang="zh-CN" sz="1067" b="1" dirty="0">
+            <a:endParaRPr lang="zh-CN" altLang="zh-CN" sz="1067" b="1">
               <a:solidFill>
                 <a:schemeClr val="bg1">
                   <a:lumMod val="50000"/>
@@ -21741,7 +22126,7 @@
               <a:buNone/>
             </a:pPr>
             <a:r>
-              <a:rPr lang="en-US" altLang="zh-CN" sz="1067" dirty="0">
+              <a:rPr lang="en-US" altLang="zh-CN" sz="1067">
                 <a:solidFill>
                   <a:schemeClr val="bg1">
                     <a:lumMod val="50000"/>
@@ -21751,7 +22136,7 @@
               <a:t>We have many PowerPoint </a:t>
             </a:r>
             <a:r>
-              <a:rPr lang="zh-CN" altLang="en-US" sz="1067" dirty="0">
+              <a:rPr lang="zh-CN" altLang="en-US" sz="1067">
                 <a:solidFill>
                   <a:schemeClr val="bg1">
                     <a:lumMod val="50000"/>
@@ -21761,7 +22146,7 @@
               <a:t>templates</a:t>
             </a:r>
             <a:r>
-              <a:rPr lang="en-US" altLang="zh-CN" sz="1067" dirty="0">
+              <a:rPr lang="en-US" altLang="zh-CN" sz="1067">
                 <a:solidFill>
                   <a:schemeClr val="bg1">
                     <a:lumMod val="50000"/>
@@ -21771,7 +22156,7 @@
               <a:t> that has been specifically designed</a:t>
             </a:r>
             <a:r>
-              <a:rPr lang="zh-CN" altLang="en-US" sz="1067" dirty="0">
+              <a:rPr lang="zh-CN" altLang="en-US" sz="1067">
                 <a:solidFill>
                   <a:schemeClr val="bg1">
                     <a:lumMod val="50000"/>
@@ -21780,7 +22165,7 @@
               </a:rPr>
               <a:t>.</a:t>
             </a:r>
-            <a:endParaRPr lang="en-US" altLang="zh-CN" sz="1067" dirty="0">
+            <a:endParaRPr lang="en-US" altLang="zh-CN" sz="1067">
               <a:solidFill>
                 <a:schemeClr val="bg1">
                   <a:lumMod val="50000"/>
@@ -21898,7 +22283,7 @@
               <a:buNone/>
             </a:pPr>
             <a:r>
-              <a:rPr lang="en-US" altLang="zh-CN" sz="2667" dirty="0">
+              <a:rPr lang="en-US" altLang="zh-CN" sz="2667">
                 <a:solidFill>
                   <a:schemeClr val="bg1">
                     <a:lumMod val="50000"/>
@@ -21909,7 +22294,7 @@
               </a:rPr>
               <a:t>Crawler</a:t>
             </a:r>
-            <a:endParaRPr lang="en-US" altLang="zh-CN" sz="2667" dirty="0">
+            <a:endParaRPr lang="en-US" altLang="zh-CN" sz="2667">
               <a:solidFill>
                 <a:schemeClr val="accent1"/>
               </a:solidFill>
@@ -22203,7 +22588,7 @@
           <a:lstStyle/>
           <a:p>
             <a:r>
-              <a:rPr lang="en-CA" dirty="0"/>
+              <a:rPr lang="en-CA"/>
               <a:t>Part 2</a:t>
             </a:r>
           </a:p>
@@ -22231,7 +22616,7 @@
           <a:lstStyle/>
           <a:p>
             <a:r>
-              <a:rPr lang="en-CA" dirty="0"/>
+              <a:rPr lang="en-CA"/>
               <a:t>Yihao Yang</a:t>
             </a:r>
           </a:p>
@@ -22305,7 +22690,7 @@
           <a:p>
             <a:pPr algn="ctr"/>
             <a:r>
-              <a:rPr lang="en-CA" sz="3600" b="1" dirty="0">
+              <a:rPr lang="en-CA" sz="3600" b="1">
                 <a:latin typeface="Times New Roman" panose="02020603050405020304" pitchFamily="18" charset="0"/>
                 <a:cs typeface="Times New Roman" panose="02020603050405020304" pitchFamily="18" charset="0"/>
               </a:rPr>
@@ -22442,7 +22827,7 @@
           <a:p>
             <a:pPr algn="ctr"/>
             <a:r>
-              <a:rPr lang="en-CA" sz="3600" b="1" dirty="0">
+              <a:rPr lang="en-CA" sz="3600" b="1">
                 <a:latin typeface="Times New Roman" panose="02020603050405020304" pitchFamily="18" charset="0"/>
                 <a:cs typeface="Times New Roman" panose="02020603050405020304" pitchFamily="18" charset="0"/>
               </a:rPr>
@@ -22487,7 +22872,7 @@
               <a:buChar char="•"/>
             </a:pPr>
             <a:r>
-              <a:rPr lang="en-CA" dirty="0"/>
+              <a:rPr lang="en-CA"/>
               <a:t>Based on the TST algorithm</a:t>
             </a:r>
           </a:p>
@@ -22500,7 +22885,7 @@
               <a:buChar char="•"/>
             </a:pPr>
             <a:r>
-              <a:rPr lang="en-CA" dirty="0"/>
+              <a:rPr lang="en-CA"/>
               <a:t>Maintaining a TST structure</a:t>
             </a:r>
           </a:p>
@@ -22513,7 +22898,7 @@
               <a:buChar char="•"/>
             </a:pPr>
             <a:r>
-              <a:rPr lang="en-CA" dirty="0"/>
+              <a:rPr lang="en-CA"/>
               <a:t>Using text generated by Xiongjin Yue's program</a:t>
             </a:r>
           </a:p>
@@ -22526,7 +22911,7 @@
               <a:buChar char="•"/>
             </a:pPr>
             <a:r>
-              <a:rPr lang="en-CA" dirty="0"/>
+              <a:rPr lang="en-CA"/>
               <a:t>Searching prefix in the TST and return at most 10 words has the prefix </a:t>
             </a:r>
           </a:p>
@@ -22630,7 +23015,7 @@
           <a:p>
             <a:pPr algn="ctr"/>
             <a:r>
-              <a:rPr lang="en-CA" sz="3600" b="1" dirty="0">
+              <a:rPr lang="en-CA" sz="3600" b="1">
                 <a:latin typeface="Times New Roman" panose="02020603050405020304" pitchFamily="18" charset="0"/>
                 <a:cs typeface="Times New Roman" panose="02020603050405020304" pitchFamily="18" charset="0"/>
               </a:rPr>
@@ -22699,7 +23084,7 @@
           <a:p>
             <a:pPr algn="ctr"/>
             <a:r>
-              <a:rPr lang="en-CA" sz="1200" dirty="0">
+              <a:rPr lang="en-CA" sz="1200">
                 <a:solidFill>
                   <a:schemeClr val="bg1">
                     <a:lumMod val="50000"/>
@@ -22709,7 +23094,7 @@
               <a:t>TST diagram</a:t>
             </a:r>
             <a:r>
-              <a:rPr lang="en-CA" sz="1200" baseline="30000" dirty="0">
+              <a:rPr lang="en-CA" sz="1200" baseline="30000">
                 <a:solidFill>
                   <a:schemeClr val="bg1">
                     <a:lumMod val="50000"/>
@@ -22755,35 +23140,35 @@
               </a:lnSpc>
             </a:pPr>
             <a:r>
-              <a:rPr lang="en-CA" dirty="0">
+              <a:rPr lang="en-CA">
                 <a:latin typeface="Times New Roman" panose="02020603050405020304" pitchFamily="18" charset="0"/>
                 <a:cs typeface="Times New Roman" panose="02020603050405020304" pitchFamily="18" charset="0"/>
               </a:rPr>
               <a:t>For processing </a:t>
             </a:r>
             <a:r>
-              <a:rPr lang="en-CA" i="1" dirty="0">
+              <a:rPr lang="en-CA" i="1">
                 <a:latin typeface="Times New Roman" panose="02020603050405020304" pitchFamily="18" charset="0"/>
                 <a:cs typeface="Times New Roman" panose="02020603050405020304" pitchFamily="18" charset="0"/>
               </a:rPr>
               <a:t>N</a:t>
             </a:r>
             <a:r>
-              <a:rPr lang="en-CA" dirty="0">
+              <a:rPr lang="en-CA">
                 <a:latin typeface="Times New Roman" panose="02020603050405020304" pitchFamily="18" charset="0"/>
                 <a:cs typeface="Times New Roman" panose="02020603050405020304" pitchFamily="18" charset="0"/>
               </a:rPr>
               <a:t> Strings with average </a:t>
             </a:r>
             <a:r>
-              <a:rPr lang="en-CA" i="1" dirty="0">
+              <a:rPr lang="en-CA" i="1">
                 <a:latin typeface="Times New Roman" panose="02020603050405020304" pitchFamily="18" charset="0"/>
                 <a:cs typeface="Times New Roman" panose="02020603050405020304" pitchFamily="18" charset="0"/>
               </a:rPr>
               <a:t>w</a:t>
             </a:r>
             <a:r>
-              <a:rPr lang="en-CA" dirty="0">
+              <a:rPr lang="en-CA">
                 <a:latin typeface="Times New Roman" panose="02020603050405020304" pitchFamily="18" charset="0"/>
                 <a:cs typeface="Times New Roman" panose="02020603050405020304" pitchFamily="18" charset="0"/>
               </a:rPr>
@@ -22799,21 +23184,21 @@
               <a:buChar char="•"/>
             </a:pPr>
             <a:r>
-              <a:rPr lang="en-CA" dirty="0">
+              <a:rPr lang="en-CA">
                 <a:latin typeface="Times New Roman" panose="02020603050405020304" pitchFamily="18" charset="0"/>
                 <a:cs typeface="Times New Roman" panose="02020603050405020304" pitchFamily="18" charset="0"/>
               </a:rPr>
               <a:t>If search doesn’t hit, the time complexity is O(1.39lg</a:t>
             </a:r>
             <a:r>
-              <a:rPr lang="en-CA" i="1" dirty="0">
+              <a:rPr lang="en-CA" i="1">
                 <a:latin typeface="Times New Roman" panose="02020603050405020304" pitchFamily="18" charset="0"/>
                 <a:cs typeface="Times New Roman" panose="02020603050405020304" pitchFamily="18" charset="0"/>
               </a:rPr>
               <a:t>N</a:t>
             </a:r>
             <a:r>
-              <a:rPr lang="en-CA" dirty="0">
+              <a:rPr lang="en-CA">
                 <a:latin typeface="Times New Roman" panose="02020603050405020304" pitchFamily="18" charset="0"/>
                 <a:cs typeface="Times New Roman" panose="02020603050405020304" pitchFamily="18" charset="0"/>
               </a:rPr>
@@ -22829,14 +23214,14 @@
               <a:buChar char="•"/>
             </a:pPr>
             <a:r>
-              <a:rPr lang="en-CA" dirty="0">
+              <a:rPr lang="en-CA">
                 <a:latin typeface="Times New Roman" panose="02020603050405020304" pitchFamily="18" charset="0"/>
                 <a:cs typeface="Times New Roman" panose="02020603050405020304" pitchFamily="18" charset="0"/>
               </a:rPr>
               <a:t>Space usage is 64N – 64Nw.</a:t>
             </a:r>
             <a:r>
-              <a:rPr lang="en-CA" baseline="30000" dirty="0">
+              <a:rPr lang="en-CA" baseline="30000">
                 <a:latin typeface="Times New Roman" panose="02020603050405020304" pitchFamily="18" charset="0"/>
                 <a:cs typeface="Times New Roman" panose="02020603050405020304" pitchFamily="18" charset="0"/>
               </a:rPr>
@@ -22897,7 +23282,7 @@
           <a:lstStyle/>
           <a:p>
             <a:r>
-              <a:rPr lang="en-CA" dirty="0"/>
+              <a:rPr lang="en-CA"/>
               <a:t>Part 3</a:t>
             </a:r>
           </a:p>
@@ -22925,7 +23310,7 @@
           <a:lstStyle/>
           <a:p>
             <a:r>
-              <a:rPr lang="en-CA" dirty="0"/>
+              <a:rPr lang="en-CA"/>
               <a:t>Kuo Han</a:t>
             </a:r>
           </a:p>
